--- a/Slides/Javascript/Javascript.pptx
+++ b/Slides/Javascript/Javascript.pptx
@@ -33,31 +33,20 @@
     <p:sldId id="278" r:id="rId26"/>
     <p:sldId id="279" r:id="rId27"/>
     <p:sldId id="280" r:id="rId28"/>
-    <p:sldId id="281" r:id="rId29"/>
-    <p:sldId id="282" r:id="rId30"/>
-    <p:sldId id="283" r:id="rId31"/>
-    <p:sldId id="287" r:id="rId32"/>
-    <p:sldId id="284" r:id="rId33"/>
-    <p:sldId id="285" r:id="rId34"/>
-    <p:sldId id="286" r:id="rId35"/>
   </p:sldIdLst>
   <p:sldSz cx="9144000" cy="5143500"/>
   <p:notesSz cx="6858000" cy="9144000"/>
   <p:embeddedFontLst>
     <p:embeddedFont>
       <p:font typeface="Roboto" panose="02000000000000000000"/>
-      <p:regular r:id="rId39"/>
-      <p:bold r:id="rId40"/>
-      <p:italic r:id="rId41"/>
-      <p:boldItalic r:id="rId42"/>
+      <p:regular r:id="rId32"/>
+      <p:bold r:id="rId33"/>
+      <p:italic r:id="rId34"/>
+      <p:boldItalic r:id="rId35"/>
     </p:embeddedFont>
     <p:embeddedFont>
       <p:font typeface="Verdana" panose="020B0604030504040204"/>
-      <p:regular r:id="rId43"/>
-    </p:embeddedFont>
-    <p:embeddedFont>
-      <p:font typeface="Verdana" panose="020B0604030504040204" charset="0"/>
-      <p:regular r:id="rId44"/>
+      <p:regular r:id="rId36"/>
     </p:embeddedFont>
   </p:embeddedFontLst>
   <p:defaultTextStyle>
@@ -2525,402 +2514,6 @@
 </p:notes>
 </file>
 
-<file path=ppt/notesSlides/notesSlide26.xml><?xml version="1.0" encoding="utf-8"?>
-<p:notes xmlns:a="http://schemas.openxmlformats.org/drawingml/2006/main" xmlns:r="http://schemas.openxmlformats.org/officeDocument/2006/relationships" xmlns:p="http://schemas.openxmlformats.org/presentationml/2006/main" showMasterPhAnim="0" showMasterSp="0">
-  <p:cSld>
-    <p:spTree>
-      <p:nvGrpSpPr>
-        <p:cNvPr id="219" name="Shape 219"/>
-        <p:cNvGrpSpPr/>
-        <p:nvPr/>
-      </p:nvGrpSpPr>
-      <p:grpSpPr>
-        <a:xfrm>
-          <a:off x="0" y="0"/>
-          <a:ext cx="0" cy="0"/>
-          <a:chOff x="0" y="0"/>
-          <a:chExt cx="0" cy="0"/>
-        </a:xfrm>
-      </p:grpSpPr>
-      <p:sp>
-        <p:nvSpPr>
-          <p:cNvPr id="220" name="Google Shape;220;g3142a81161a_1_45:notes"/>
-          <p:cNvSpPr/>
-          <p:nvPr>
-            <p:ph type="sldImg" idx="2"/>
-          </p:nvPr>
-        </p:nvSpPr>
-        <p:spPr>
-          <a:xfrm>
-            <a:off x="381300" y="685800"/>
-            <a:ext cx="6096000" cy="3429000"/>
-          </a:xfrm>
-          <a:custGeom>
-            <a:avLst/>
-            <a:gdLst/>
-            <a:ahLst/>
-            <a:cxnLst/>
-            <a:rect l="l" t="t" r="r" b="b"/>
-            <a:pathLst>
-              <a:path w="120000" h="120000" extrusionOk="0">
-                <a:moveTo>
-                  <a:pt x="0" y="0"/>
-                </a:moveTo>
-                <a:lnTo>
-                  <a:pt x="120000" y="0"/>
-                </a:lnTo>
-                <a:lnTo>
-                  <a:pt x="120000" y="120000"/>
-                </a:lnTo>
-                <a:lnTo>
-                  <a:pt x="0" y="120000"/>
-                </a:lnTo>
-                <a:close/>
-              </a:path>
-            </a:pathLst>
-          </a:custGeom>
-        </p:spPr>
-      </p:sp>
-      <p:sp>
-        <p:nvSpPr>
-          <p:cNvPr id="221" name="Google Shape;221;g3142a81161a_1_45:notes"/>
-          <p:cNvSpPr txBox="1"/>
-          <p:nvPr>
-            <p:ph type="body" idx="1"/>
-          </p:nvPr>
-        </p:nvSpPr>
-        <p:spPr>
-          <a:xfrm>
-            <a:off x="685800" y="4343400"/>
-            <a:ext cx="5486400" cy="4114800"/>
-          </a:xfrm>
-          <a:prstGeom prst="rect">
-            <a:avLst/>
-          </a:prstGeom>
-        </p:spPr>
-        <p:txBody>
-          <a:bodyPr spcFirstLastPara="1" wrap="square" lIns="91425" tIns="91425" rIns="91425" bIns="91425" anchor="t" anchorCtr="0">
-            <a:noAutofit/>
-          </a:bodyPr>
-          <a:lstStyle/>
-          <a:p>
-            <a:pPr marL="0" lvl="0" indent="0" algn="l" rtl="0">
-              <a:spcBef>
-                <a:spcPts val="0"/>
-              </a:spcBef>
-              <a:spcAft>
-                <a:spcPts val="0"/>
-              </a:spcAft>
-              <a:buNone/>
-            </a:pPr>
-          </a:p>
-        </p:txBody>
-      </p:sp>
-    </p:spTree>
-  </p:cSld>
-  <p:clrMapOvr>
-    <a:masterClrMapping/>
-  </p:clrMapOvr>
-</p:notes>
-</file>
-
-<file path=ppt/notesSlides/notesSlide27.xml><?xml version="1.0" encoding="utf-8"?>
-<p:notes xmlns:a="http://schemas.openxmlformats.org/drawingml/2006/main" xmlns:r="http://schemas.openxmlformats.org/officeDocument/2006/relationships" xmlns:p="http://schemas.openxmlformats.org/presentationml/2006/main" showMasterPhAnim="0" showMasterSp="0">
-  <p:cSld>
-    <p:spTree>
-      <p:nvGrpSpPr>
-        <p:cNvPr id="225" name="Shape 225"/>
-        <p:cNvGrpSpPr/>
-        <p:nvPr/>
-      </p:nvGrpSpPr>
-      <p:grpSpPr>
-        <a:xfrm>
-          <a:off x="0" y="0"/>
-          <a:ext cx="0" cy="0"/>
-          <a:chOff x="0" y="0"/>
-          <a:chExt cx="0" cy="0"/>
-        </a:xfrm>
-      </p:grpSpPr>
-      <p:sp>
-        <p:nvSpPr>
-          <p:cNvPr id="226" name="Google Shape;226;g2d5917501d2_0_32:notes"/>
-          <p:cNvSpPr/>
-          <p:nvPr>
-            <p:ph type="sldImg" idx="2"/>
-          </p:nvPr>
-        </p:nvSpPr>
-        <p:spPr>
-          <a:xfrm>
-            <a:off x="381300" y="685800"/>
-            <a:ext cx="6096000" cy="3429000"/>
-          </a:xfrm>
-          <a:custGeom>
-            <a:avLst/>
-            <a:gdLst/>
-            <a:ahLst/>
-            <a:cxnLst/>
-            <a:rect l="l" t="t" r="r" b="b"/>
-            <a:pathLst>
-              <a:path w="120000" h="120000" extrusionOk="0">
-                <a:moveTo>
-                  <a:pt x="0" y="0"/>
-                </a:moveTo>
-                <a:lnTo>
-                  <a:pt x="120000" y="0"/>
-                </a:lnTo>
-                <a:lnTo>
-                  <a:pt x="120000" y="120000"/>
-                </a:lnTo>
-                <a:lnTo>
-                  <a:pt x="0" y="120000"/>
-                </a:lnTo>
-                <a:close/>
-              </a:path>
-            </a:pathLst>
-          </a:custGeom>
-        </p:spPr>
-      </p:sp>
-      <p:sp>
-        <p:nvSpPr>
-          <p:cNvPr id="227" name="Google Shape;227;g2d5917501d2_0_32:notes"/>
-          <p:cNvSpPr txBox="1"/>
-          <p:nvPr>
-            <p:ph type="body" idx="1"/>
-          </p:nvPr>
-        </p:nvSpPr>
-        <p:spPr>
-          <a:xfrm>
-            <a:off x="685800" y="4343400"/>
-            <a:ext cx="5486400" cy="4114800"/>
-          </a:xfrm>
-          <a:prstGeom prst="rect">
-            <a:avLst/>
-          </a:prstGeom>
-        </p:spPr>
-        <p:txBody>
-          <a:bodyPr spcFirstLastPara="1" wrap="square" lIns="91425" tIns="91425" rIns="91425" bIns="91425" anchor="t" anchorCtr="0">
-            <a:noAutofit/>
-          </a:bodyPr>
-          <a:lstStyle/>
-          <a:p>
-            <a:pPr marL="0" lvl="0" indent="0" algn="l" rtl="0">
-              <a:spcBef>
-                <a:spcPts val="0"/>
-              </a:spcBef>
-              <a:spcAft>
-                <a:spcPts val="0"/>
-              </a:spcAft>
-              <a:buNone/>
-            </a:pPr>
-          </a:p>
-        </p:txBody>
-      </p:sp>
-    </p:spTree>
-  </p:cSld>
-  <p:clrMapOvr>
-    <a:masterClrMapping/>
-  </p:clrMapOvr>
-</p:notes>
-</file>
-
-<file path=ppt/notesSlides/notesSlide28.xml><?xml version="1.0" encoding="utf-8"?>
-<p:notes xmlns:a="http://schemas.openxmlformats.org/drawingml/2006/main" xmlns:r="http://schemas.openxmlformats.org/officeDocument/2006/relationships" xmlns:p="http://schemas.openxmlformats.org/presentationml/2006/main" showMasterPhAnim="0" showMasterSp="0">
-  <p:cSld>
-    <p:spTree>
-      <p:nvGrpSpPr>
-        <p:cNvPr id="231" name="Shape 231"/>
-        <p:cNvGrpSpPr/>
-        <p:nvPr/>
-      </p:nvGrpSpPr>
-      <p:grpSpPr>
-        <a:xfrm>
-          <a:off x="0" y="0"/>
-          <a:ext cx="0" cy="0"/>
-          <a:chOff x="0" y="0"/>
-          <a:chExt cx="0" cy="0"/>
-        </a:xfrm>
-      </p:grpSpPr>
-      <p:sp>
-        <p:nvSpPr>
-          <p:cNvPr id="232" name="Google Shape;232;g2d5917501d2_0_40:notes"/>
-          <p:cNvSpPr/>
-          <p:nvPr>
-            <p:ph type="sldImg" idx="2"/>
-          </p:nvPr>
-        </p:nvSpPr>
-        <p:spPr>
-          <a:xfrm>
-            <a:off x="381300" y="685800"/>
-            <a:ext cx="6096000" cy="3429000"/>
-          </a:xfrm>
-          <a:custGeom>
-            <a:avLst/>
-            <a:gdLst/>
-            <a:ahLst/>
-            <a:cxnLst/>
-            <a:rect l="l" t="t" r="r" b="b"/>
-            <a:pathLst>
-              <a:path w="120000" h="120000" extrusionOk="0">
-                <a:moveTo>
-                  <a:pt x="0" y="0"/>
-                </a:moveTo>
-                <a:lnTo>
-                  <a:pt x="120000" y="0"/>
-                </a:lnTo>
-                <a:lnTo>
-                  <a:pt x="120000" y="120000"/>
-                </a:lnTo>
-                <a:lnTo>
-                  <a:pt x="0" y="120000"/>
-                </a:lnTo>
-                <a:close/>
-              </a:path>
-            </a:pathLst>
-          </a:custGeom>
-        </p:spPr>
-      </p:sp>
-      <p:sp>
-        <p:nvSpPr>
-          <p:cNvPr id="233" name="Google Shape;233;g2d5917501d2_0_40:notes"/>
-          <p:cNvSpPr txBox="1"/>
-          <p:nvPr>
-            <p:ph type="body" idx="1"/>
-          </p:nvPr>
-        </p:nvSpPr>
-        <p:spPr>
-          <a:xfrm>
-            <a:off x="685800" y="4343400"/>
-            <a:ext cx="5486400" cy="4114800"/>
-          </a:xfrm>
-          <a:prstGeom prst="rect">
-            <a:avLst/>
-          </a:prstGeom>
-        </p:spPr>
-        <p:txBody>
-          <a:bodyPr spcFirstLastPara="1" wrap="square" lIns="91425" tIns="91425" rIns="91425" bIns="91425" anchor="t" anchorCtr="0">
-            <a:noAutofit/>
-          </a:bodyPr>
-          <a:lstStyle/>
-          <a:p>
-            <a:pPr marL="0" lvl="0" indent="0" algn="l" rtl="0">
-              <a:spcBef>
-                <a:spcPts val="0"/>
-              </a:spcBef>
-              <a:spcAft>
-                <a:spcPts val="0"/>
-              </a:spcAft>
-              <a:buNone/>
-            </a:pPr>
-          </a:p>
-        </p:txBody>
-      </p:sp>
-    </p:spTree>
-  </p:cSld>
-  <p:clrMapOvr>
-    <a:masterClrMapping/>
-  </p:clrMapOvr>
-</p:notes>
-</file>
-
-<file path=ppt/notesSlides/notesSlide29.xml><?xml version="1.0" encoding="utf-8"?>
-<p:notes xmlns:a="http://schemas.openxmlformats.org/drawingml/2006/main" xmlns:r="http://schemas.openxmlformats.org/officeDocument/2006/relationships" xmlns:p="http://schemas.openxmlformats.org/presentationml/2006/main" showMasterPhAnim="0" showMasterSp="0">
-  <p:cSld>
-    <p:spTree>
-      <p:nvGrpSpPr>
-        <p:cNvPr id="258" name="Shape 258"/>
-        <p:cNvGrpSpPr/>
-        <p:nvPr/>
-      </p:nvGrpSpPr>
-      <p:grpSpPr>
-        <a:xfrm>
-          <a:off x="0" y="0"/>
-          <a:ext cx="0" cy="0"/>
-          <a:chOff x="0" y="0"/>
-          <a:chExt cx="0" cy="0"/>
-        </a:xfrm>
-      </p:grpSpPr>
-      <p:sp>
-        <p:nvSpPr>
-          <p:cNvPr id="259" name="Google Shape;259;g2d5917501d2_0_73:notes"/>
-          <p:cNvSpPr/>
-          <p:nvPr>
-            <p:ph type="sldImg" idx="2"/>
-          </p:nvPr>
-        </p:nvSpPr>
-        <p:spPr>
-          <a:xfrm>
-            <a:off x="381300" y="685800"/>
-            <a:ext cx="6096000" cy="3429000"/>
-          </a:xfrm>
-          <a:custGeom>
-            <a:avLst/>
-            <a:gdLst/>
-            <a:ahLst/>
-            <a:cxnLst/>
-            <a:rect l="l" t="t" r="r" b="b"/>
-            <a:pathLst>
-              <a:path w="120000" h="120000" extrusionOk="0">
-                <a:moveTo>
-                  <a:pt x="0" y="0"/>
-                </a:moveTo>
-                <a:lnTo>
-                  <a:pt x="120000" y="0"/>
-                </a:lnTo>
-                <a:lnTo>
-                  <a:pt x="120000" y="120000"/>
-                </a:lnTo>
-                <a:lnTo>
-                  <a:pt x="0" y="120000"/>
-                </a:lnTo>
-                <a:close/>
-              </a:path>
-            </a:pathLst>
-          </a:custGeom>
-        </p:spPr>
-      </p:sp>
-      <p:sp>
-        <p:nvSpPr>
-          <p:cNvPr id="260" name="Google Shape;260;g2d5917501d2_0_73:notes"/>
-          <p:cNvSpPr txBox="1"/>
-          <p:nvPr>
-            <p:ph type="body" idx="1"/>
-          </p:nvPr>
-        </p:nvSpPr>
-        <p:spPr>
-          <a:xfrm>
-            <a:off x="685800" y="4343400"/>
-            <a:ext cx="5486400" cy="4114800"/>
-          </a:xfrm>
-          <a:prstGeom prst="rect">
-            <a:avLst/>
-          </a:prstGeom>
-        </p:spPr>
-        <p:txBody>
-          <a:bodyPr spcFirstLastPara="1" wrap="square" lIns="91425" tIns="91425" rIns="91425" bIns="91425" anchor="t" anchorCtr="0">
-            <a:noAutofit/>
-          </a:bodyPr>
-          <a:lstStyle/>
-          <a:p>
-            <a:pPr marL="0" lvl="0" indent="0" algn="l" rtl="0">
-              <a:spcBef>
-                <a:spcPts val="0"/>
-              </a:spcBef>
-              <a:spcAft>
-                <a:spcPts val="0"/>
-              </a:spcAft>
-              <a:buNone/>
-            </a:pPr>
-          </a:p>
-        </p:txBody>
-      </p:sp>
-    </p:spTree>
-  </p:cSld>
-  <p:clrMapOvr>
-    <a:masterClrMapping/>
-  </p:clrMapOvr>
-</p:notes>
-</file>
-
 <file path=ppt/notesSlides/notesSlide3.xml><?xml version="1.0" encoding="utf-8"?>
 <p:notes xmlns:a="http://schemas.openxmlformats.org/drawingml/2006/main" xmlns:r="http://schemas.openxmlformats.org/officeDocument/2006/relationships" xmlns:p="http://schemas.openxmlformats.org/presentationml/2006/main" showMasterPhAnim="0" showMasterSp="0">
   <p:cSld>
@@ -2980,303 +2573,6 @@
       <p:sp>
         <p:nvSpPr>
           <p:cNvPr id="67" name="Google Shape;67;g3142a81161a_1_168:notes"/>
-          <p:cNvSpPr txBox="1"/>
-          <p:nvPr>
-            <p:ph type="body" idx="1"/>
-          </p:nvPr>
-        </p:nvSpPr>
-        <p:spPr>
-          <a:xfrm>
-            <a:off x="685800" y="4343400"/>
-            <a:ext cx="5486400" cy="4114800"/>
-          </a:xfrm>
-          <a:prstGeom prst="rect">
-            <a:avLst/>
-          </a:prstGeom>
-        </p:spPr>
-        <p:txBody>
-          <a:bodyPr spcFirstLastPara="1" wrap="square" lIns="91425" tIns="91425" rIns="91425" bIns="91425" anchor="t" anchorCtr="0">
-            <a:noAutofit/>
-          </a:bodyPr>
-          <a:lstStyle/>
-          <a:p>
-            <a:pPr marL="0" lvl="0" indent="0" algn="l" rtl="0">
-              <a:spcBef>
-                <a:spcPts val="0"/>
-              </a:spcBef>
-              <a:spcAft>
-                <a:spcPts val="0"/>
-              </a:spcAft>
-              <a:buNone/>
-            </a:pPr>
-          </a:p>
-        </p:txBody>
-      </p:sp>
-    </p:spTree>
-  </p:cSld>
-  <p:clrMapOvr>
-    <a:masterClrMapping/>
-  </p:clrMapOvr>
-</p:notes>
-</file>
-
-<file path=ppt/notesSlides/notesSlide30.xml><?xml version="1.0" encoding="utf-8"?>
-<p:notes xmlns:a="http://schemas.openxmlformats.org/drawingml/2006/main" xmlns:r="http://schemas.openxmlformats.org/officeDocument/2006/relationships" xmlns:p="http://schemas.openxmlformats.org/presentationml/2006/main" showMasterPhAnim="0" showMasterSp="0">
-  <p:cSld>
-    <p:spTree>
-      <p:nvGrpSpPr>
-        <p:cNvPr id="237" name="Shape 237"/>
-        <p:cNvGrpSpPr/>
-        <p:nvPr/>
-      </p:nvGrpSpPr>
-      <p:grpSpPr>
-        <a:xfrm>
-          <a:off x="0" y="0"/>
-          <a:ext cx="0" cy="0"/>
-          <a:chOff x="0" y="0"/>
-          <a:chExt cx="0" cy="0"/>
-        </a:xfrm>
-      </p:grpSpPr>
-      <p:sp>
-        <p:nvSpPr>
-          <p:cNvPr id="238" name="Google Shape;238;g2d5917501d2_0_47:notes"/>
-          <p:cNvSpPr/>
-          <p:nvPr>
-            <p:ph type="sldImg" idx="2"/>
-          </p:nvPr>
-        </p:nvSpPr>
-        <p:spPr>
-          <a:xfrm>
-            <a:off x="381300" y="685800"/>
-            <a:ext cx="6096000" cy="3429000"/>
-          </a:xfrm>
-          <a:custGeom>
-            <a:avLst/>
-            <a:gdLst/>
-            <a:ahLst/>
-            <a:cxnLst/>
-            <a:rect l="l" t="t" r="r" b="b"/>
-            <a:pathLst>
-              <a:path w="120000" h="120000" extrusionOk="0">
-                <a:moveTo>
-                  <a:pt x="0" y="0"/>
-                </a:moveTo>
-                <a:lnTo>
-                  <a:pt x="120000" y="0"/>
-                </a:lnTo>
-                <a:lnTo>
-                  <a:pt x="120000" y="120000"/>
-                </a:lnTo>
-                <a:lnTo>
-                  <a:pt x="0" y="120000"/>
-                </a:lnTo>
-                <a:close/>
-              </a:path>
-            </a:pathLst>
-          </a:custGeom>
-        </p:spPr>
-      </p:sp>
-      <p:sp>
-        <p:nvSpPr>
-          <p:cNvPr id="239" name="Google Shape;239;g2d5917501d2_0_47:notes"/>
-          <p:cNvSpPr txBox="1"/>
-          <p:nvPr>
-            <p:ph type="body" idx="1"/>
-          </p:nvPr>
-        </p:nvSpPr>
-        <p:spPr>
-          <a:xfrm>
-            <a:off x="685800" y="4343400"/>
-            <a:ext cx="5486400" cy="4114800"/>
-          </a:xfrm>
-          <a:prstGeom prst="rect">
-            <a:avLst/>
-          </a:prstGeom>
-        </p:spPr>
-        <p:txBody>
-          <a:bodyPr spcFirstLastPara="1" wrap="square" lIns="91425" tIns="91425" rIns="91425" bIns="91425" anchor="t" anchorCtr="0">
-            <a:noAutofit/>
-          </a:bodyPr>
-          <a:lstStyle/>
-          <a:p>
-            <a:pPr marL="0" lvl="0" indent="0" algn="l" rtl="0">
-              <a:spcBef>
-                <a:spcPts val="0"/>
-              </a:spcBef>
-              <a:spcAft>
-                <a:spcPts val="0"/>
-              </a:spcAft>
-              <a:buNone/>
-            </a:pPr>
-          </a:p>
-        </p:txBody>
-      </p:sp>
-    </p:spTree>
-  </p:cSld>
-  <p:clrMapOvr>
-    <a:masterClrMapping/>
-  </p:clrMapOvr>
-</p:notes>
-</file>
-
-<file path=ppt/notesSlides/notesSlide31.xml><?xml version="1.0" encoding="utf-8"?>
-<p:notes xmlns:a="http://schemas.openxmlformats.org/drawingml/2006/main" xmlns:r="http://schemas.openxmlformats.org/officeDocument/2006/relationships" xmlns:p="http://schemas.openxmlformats.org/presentationml/2006/main" showMasterPhAnim="0" showMasterSp="0">
-  <p:cSld>
-    <p:spTree>
-      <p:nvGrpSpPr>
-        <p:cNvPr id="246" name="Shape 246"/>
-        <p:cNvGrpSpPr/>
-        <p:nvPr/>
-      </p:nvGrpSpPr>
-      <p:grpSpPr>
-        <a:xfrm>
-          <a:off x="0" y="0"/>
-          <a:ext cx="0" cy="0"/>
-          <a:chOff x="0" y="0"/>
-          <a:chExt cx="0" cy="0"/>
-        </a:xfrm>
-      </p:grpSpPr>
-      <p:sp>
-        <p:nvSpPr>
-          <p:cNvPr id="247" name="Google Shape;247;g2d5917501d2_0_64:notes"/>
-          <p:cNvSpPr/>
-          <p:nvPr>
-            <p:ph type="sldImg" idx="2"/>
-          </p:nvPr>
-        </p:nvSpPr>
-        <p:spPr>
-          <a:xfrm>
-            <a:off x="381300" y="685800"/>
-            <a:ext cx="6096000" cy="3429000"/>
-          </a:xfrm>
-          <a:custGeom>
-            <a:avLst/>
-            <a:gdLst/>
-            <a:ahLst/>
-            <a:cxnLst/>
-            <a:rect l="l" t="t" r="r" b="b"/>
-            <a:pathLst>
-              <a:path w="120000" h="120000" extrusionOk="0">
-                <a:moveTo>
-                  <a:pt x="0" y="0"/>
-                </a:moveTo>
-                <a:lnTo>
-                  <a:pt x="120000" y="0"/>
-                </a:lnTo>
-                <a:lnTo>
-                  <a:pt x="120000" y="120000"/>
-                </a:lnTo>
-                <a:lnTo>
-                  <a:pt x="0" y="120000"/>
-                </a:lnTo>
-                <a:close/>
-              </a:path>
-            </a:pathLst>
-          </a:custGeom>
-        </p:spPr>
-      </p:sp>
-      <p:sp>
-        <p:nvSpPr>
-          <p:cNvPr id="248" name="Google Shape;248;g2d5917501d2_0_64:notes"/>
-          <p:cNvSpPr txBox="1"/>
-          <p:nvPr>
-            <p:ph type="body" idx="1"/>
-          </p:nvPr>
-        </p:nvSpPr>
-        <p:spPr>
-          <a:xfrm>
-            <a:off x="685800" y="4343400"/>
-            <a:ext cx="5486400" cy="4114800"/>
-          </a:xfrm>
-          <a:prstGeom prst="rect">
-            <a:avLst/>
-          </a:prstGeom>
-        </p:spPr>
-        <p:txBody>
-          <a:bodyPr spcFirstLastPara="1" wrap="square" lIns="91425" tIns="91425" rIns="91425" bIns="91425" anchor="t" anchorCtr="0">
-            <a:noAutofit/>
-          </a:bodyPr>
-          <a:lstStyle/>
-          <a:p>
-            <a:pPr marL="0" lvl="0" indent="0" algn="l" rtl="0">
-              <a:spcBef>
-                <a:spcPts val="0"/>
-              </a:spcBef>
-              <a:spcAft>
-                <a:spcPts val="0"/>
-              </a:spcAft>
-              <a:buNone/>
-            </a:pPr>
-          </a:p>
-        </p:txBody>
-      </p:sp>
-    </p:spTree>
-  </p:cSld>
-  <p:clrMapOvr>
-    <a:masterClrMapping/>
-  </p:clrMapOvr>
-</p:notes>
-</file>
-
-<file path=ppt/notesSlides/notesSlide32.xml><?xml version="1.0" encoding="utf-8"?>
-<p:notes xmlns:a="http://schemas.openxmlformats.org/drawingml/2006/main" xmlns:r="http://schemas.openxmlformats.org/officeDocument/2006/relationships" xmlns:p="http://schemas.openxmlformats.org/presentationml/2006/main" showMasterPhAnim="0" showMasterSp="0">
-  <p:cSld>
-    <p:spTree>
-      <p:nvGrpSpPr>
-        <p:cNvPr id="252" name="Shape 252"/>
-        <p:cNvGrpSpPr/>
-        <p:nvPr/>
-      </p:nvGrpSpPr>
-      <p:grpSpPr>
-        <a:xfrm>
-          <a:off x="0" y="0"/>
-          <a:ext cx="0" cy="0"/>
-          <a:chOff x="0" y="0"/>
-          <a:chExt cx="0" cy="0"/>
-        </a:xfrm>
-      </p:grpSpPr>
-      <p:sp>
-        <p:nvSpPr>
-          <p:cNvPr id="253" name="Google Shape;253;g2d5917501d2_0_26:notes"/>
-          <p:cNvSpPr/>
-          <p:nvPr>
-            <p:ph type="sldImg" idx="2"/>
-          </p:nvPr>
-        </p:nvSpPr>
-        <p:spPr>
-          <a:xfrm>
-            <a:off x="381300" y="685800"/>
-            <a:ext cx="6096000" cy="3429000"/>
-          </a:xfrm>
-          <a:custGeom>
-            <a:avLst/>
-            <a:gdLst/>
-            <a:ahLst/>
-            <a:cxnLst/>
-            <a:rect l="l" t="t" r="r" b="b"/>
-            <a:pathLst>
-              <a:path w="120000" h="120000" extrusionOk="0">
-                <a:moveTo>
-                  <a:pt x="0" y="0"/>
-                </a:moveTo>
-                <a:lnTo>
-                  <a:pt x="120000" y="0"/>
-                </a:lnTo>
-                <a:lnTo>
-                  <a:pt x="120000" y="120000"/>
-                </a:lnTo>
-                <a:lnTo>
-                  <a:pt x="0" y="120000"/>
-                </a:lnTo>
-                <a:close/>
-              </a:path>
-            </a:pathLst>
-          </a:custGeom>
-        </p:spPr>
-      </p:sp>
-      <p:sp>
-        <p:nvSpPr>
-          <p:cNvPr id="254" name="Google Shape;254;g2d5917501d2_0_26:notes"/>
           <p:cNvSpPr txBox="1"/>
           <p:nvPr>
             <p:ph type="body" idx="1"/>
@@ -15658,974 +14954,6 @@
 </p:sld>
 </file>
 
-<file path=ppt/slides/slide26.xml><?xml version="1.0" encoding="utf-8"?>
-<p:sld xmlns:a="http://schemas.openxmlformats.org/drawingml/2006/main" xmlns:r="http://schemas.openxmlformats.org/officeDocument/2006/relationships" xmlns:p="http://schemas.openxmlformats.org/presentationml/2006/main">
-  <p:cSld>
-    <p:spTree>
-      <p:nvGrpSpPr>
-        <p:cNvPr id="222" name="Shape 222"/>
-        <p:cNvGrpSpPr/>
-        <p:nvPr/>
-      </p:nvGrpSpPr>
-      <p:grpSpPr>
-        <a:xfrm>
-          <a:off x="0" y="0"/>
-          <a:ext cx="0" cy="0"/>
-          <a:chOff x="0" y="0"/>
-          <a:chExt cx="0" cy="0"/>
-        </a:xfrm>
-      </p:grpSpPr>
-      <p:sp>
-        <p:nvSpPr>
-          <p:cNvPr id="223" name="Google Shape;223;p38"/>
-          <p:cNvSpPr txBox="1"/>
-          <p:nvPr>
-            <p:ph type="title"/>
-          </p:nvPr>
-        </p:nvSpPr>
-        <p:spPr>
-          <a:xfrm>
-            <a:off x="311700" y="445025"/>
-            <a:ext cx="8520600" cy="572700"/>
-          </a:xfrm>
-          <a:prstGeom prst="rect">
-            <a:avLst/>
-          </a:prstGeom>
-        </p:spPr>
-        <p:txBody>
-          <a:bodyPr spcFirstLastPara="1" wrap="square" lIns="91425" tIns="91425" rIns="91425" bIns="91425" anchor="t" anchorCtr="0">
-            <a:normAutofit fontScale="90000"/>
-          </a:bodyPr>
-          <a:lstStyle/>
-          <a:p>
-            <a:pPr marL="0" lvl="0" indent="0" algn="l" rtl="0">
-              <a:spcBef>
-                <a:spcPts val="0"/>
-              </a:spcBef>
-              <a:spcAft>
-                <a:spcPts val="0"/>
-              </a:spcAft>
-              <a:buNone/>
-            </a:pPr>
-            <a:r>
-              <a:rPr lang="en-GB" b="1"/>
-              <a:t>Objetos</a:t>
-            </a:r>
-            <a:endParaRPr b="1"/>
-          </a:p>
-        </p:txBody>
-      </p:sp>
-      <p:pic>
-        <p:nvPicPr>
-          <p:cNvPr id="224" name="Google Shape;224;p38"/>
-          <p:cNvPicPr preferRelativeResize="0"/>
-          <p:nvPr/>
-        </p:nvPicPr>
-        <p:blipFill>
-          <a:blip r:embed="rId1"/>
-          <a:stretch>
-            <a:fillRect/>
-          </a:stretch>
-        </p:blipFill>
-        <p:spPr>
-          <a:xfrm>
-            <a:off x="1321663" y="993775"/>
-            <a:ext cx="5953125" cy="3733800"/>
-          </a:xfrm>
-          <a:prstGeom prst="rect">
-            <a:avLst/>
-          </a:prstGeom>
-          <a:noFill/>
-          <a:ln>
-            <a:noFill/>
-          </a:ln>
-        </p:spPr>
-      </p:pic>
-    </p:spTree>
-  </p:cSld>
-  <p:clrMapOvr>
-    <a:masterClrMapping/>
-  </p:clrMapOvr>
-</p:sld>
-</file>
-
-<file path=ppt/slides/slide27.xml><?xml version="1.0" encoding="utf-8"?>
-<p:sld xmlns:a="http://schemas.openxmlformats.org/drawingml/2006/main" xmlns:r="http://schemas.openxmlformats.org/officeDocument/2006/relationships" xmlns:p="http://schemas.openxmlformats.org/presentationml/2006/main">
-  <p:cSld>
-    <p:spTree>
-      <p:nvGrpSpPr>
-        <p:cNvPr id="228" name="Shape 228"/>
-        <p:cNvGrpSpPr/>
-        <p:nvPr/>
-      </p:nvGrpSpPr>
-      <p:grpSpPr>
-        <a:xfrm>
-          <a:off x="0" y="0"/>
-          <a:ext cx="0" cy="0"/>
-          <a:chOff x="0" y="0"/>
-          <a:chExt cx="0" cy="0"/>
-        </a:xfrm>
-      </p:grpSpPr>
-      <p:sp>
-        <p:nvSpPr>
-          <p:cNvPr id="229" name="Google Shape;229;p39"/>
-          <p:cNvSpPr txBox="1"/>
-          <p:nvPr>
-            <p:ph type="title"/>
-          </p:nvPr>
-        </p:nvSpPr>
-        <p:spPr>
-          <a:xfrm>
-            <a:off x="311700" y="445025"/>
-            <a:ext cx="8520600" cy="572700"/>
-          </a:xfrm>
-          <a:prstGeom prst="rect">
-            <a:avLst/>
-          </a:prstGeom>
-        </p:spPr>
-        <p:txBody>
-          <a:bodyPr spcFirstLastPara="1" wrap="square" lIns="91425" tIns="91425" rIns="91425" bIns="91425" anchor="t" anchorCtr="0">
-            <a:normAutofit fontScale="90000"/>
-          </a:bodyPr>
-          <a:lstStyle/>
-          <a:p>
-            <a:pPr marL="0" lvl="0" indent="0" algn="l" rtl="0">
-              <a:lnSpc>
-                <a:spcPct val="115000"/>
-              </a:lnSpc>
-              <a:spcBef>
-                <a:spcPts val="800"/>
-              </a:spcBef>
-              <a:spcAft>
-                <a:spcPts val="0"/>
-              </a:spcAft>
-              <a:buClr>
-                <a:schemeClr val="dk1"/>
-              </a:buClr>
-              <a:buSzPct val="46000"/>
-              <a:buFont typeface="Arial" panose="020B0604020202020204"/>
-              <a:buNone/>
-            </a:pPr>
-            <a:r>
-              <a:rPr lang="en-GB" sz="2400" b="1">
-                <a:highlight>
-                  <a:srgbClr val="FFFFFF"/>
-                </a:highlight>
-              </a:rPr>
-              <a:t>Propriedades do objeto</a:t>
-            </a:r>
-            <a:endParaRPr sz="2400" b="1">
-              <a:highlight>
-                <a:srgbClr val="FFFFFF"/>
-              </a:highlight>
-            </a:endParaRPr>
-          </a:p>
-          <a:p>
-            <a:pPr marL="0" lvl="0" indent="0" algn="l" rtl="0">
-              <a:lnSpc>
-                <a:spcPct val="115000"/>
-              </a:lnSpc>
-              <a:spcBef>
-                <a:spcPts val="800"/>
-              </a:spcBef>
-              <a:spcAft>
-                <a:spcPts val="0"/>
-              </a:spcAft>
-              <a:buClr>
-                <a:schemeClr val="dk1"/>
-              </a:buClr>
-              <a:buSzPct val="100000"/>
-              <a:buFont typeface="Arial" panose="020B0604020202020204"/>
-              <a:buNone/>
-            </a:pPr>
-            <a:endParaRPr sz="1100" b="1"/>
-          </a:p>
-          <a:p>
-            <a:pPr marL="0" lvl="0" indent="0" algn="l" rtl="0">
-              <a:spcBef>
-                <a:spcPts val="0"/>
-              </a:spcBef>
-              <a:spcAft>
-                <a:spcPts val="0"/>
-              </a:spcAft>
-              <a:buNone/>
-            </a:pPr>
-            <a:endParaRPr b="1"/>
-          </a:p>
-        </p:txBody>
-      </p:sp>
-      <p:sp>
-        <p:nvSpPr>
-          <p:cNvPr id="230" name="Google Shape;230;p39"/>
-          <p:cNvSpPr txBox="1"/>
-          <p:nvPr>
-            <p:ph type="body" idx="1"/>
-          </p:nvPr>
-        </p:nvSpPr>
-        <p:spPr>
-          <a:xfrm>
-            <a:off x="311700" y="1152475"/>
-            <a:ext cx="8520600" cy="3416400"/>
-          </a:xfrm>
-          <a:prstGeom prst="rect">
-            <a:avLst/>
-          </a:prstGeom>
-        </p:spPr>
-        <p:txBody>
-          <a:bodyPr spcFirstLastPara="1" wrap="square" lIns="91425" tIns="91425" rIns="91425" bIns="91425" anchor="t" anchorCtr="0">
-            <a:normAutofit/>
-          </a:bodyPr>
-          <a:lstStyle/>
-          <a:p>
-            <a:pPr marL="0" lvl="0" indent="0" algn="l" rtl="0">
-              <a:spcBef>
-                <a:spcPts val="1400"/>
-              </a:spcBef>
-              <a:spcAft>
-                <a:spcPts val="0"/>
-              </a:spcAft>
-              <a:buClr>
-                <a:schemeClr val="dk1"/>
-              </a:buClr>
-              <a:buSzPts val="1100"/>
-              <a:buFont typeface="Arial" panose="020B0604020202020204"/>
-              <a:buNone/>
-            </a:pPr>
-            <a:r>
-              <a:rPr lang="en-GB" sz="1650">
-                <a:solidFill>
-                  <a:schemeClr val="dk1"/>
-                </a:solidFill>
-                <a:highlight>
-                  <a:srgbClr val="FFFFFF"/>
-                </a:highlight>
-                <a:latin typeface="Verdana" panose="020B0604030504040204"/>
-                <a:ea typeface="Verdana" panose="020B0604030504040204"/>
-                <a:cs typeface="Verdana" panose="020B0604030504040204"/>
-                <a:sym typeface="Verdana" panose="020B0604030504040204"/>
-              </a:rPr>
-              <a:t>Um carro real tem propriedades como peso e cor:</a:t>
-            </a:r>
-            <a:endParaRPr sz="1650">
-              <a:solidFill>
-                <a:schemeClr val="dk1"/>
-              </a:solidFill>
-              <a:highlight>
-                <a:srgbClr val="FFFFFF"/>
-              </a:highlight>
-              <a:latin typeface="Verdana" panose="020B0604030504040204"/>
-              <a:ea typeface="Verdana" panose="020B0604030504040204"/>
-              <a:cs typeface="Verdana" panose="020B0604030504040204"/>
-              <a:sym typeface="Verdana" panose="020B0604030504040204"/>
-            </a:endParaRPr>
-          </a:p>
-          <a:p>
-            <a:pPr marL="0" lvl="0" indent="0" algn="l" rtl="0">
-              <a:spcBef>
-                <a:spcPts val="1400"/>
-              </a:spcBef>
-              <a:spcAft>
-                <a:spcPts val="0"/>
-              </a:spcAft>
-              <a:buClr>
-                <a:schemeClr val="dk1"/>
-              </a:buClr>
-              <a:buSzPts val="1100"/>
-              <a:buFont typeface="Arial" panose="020B0604020202020204"/>
-              <a:buNone/>
-            </a:pPr>
-            <a:r>
-              <a:rPr lang="en-GB" sz="1650">
-                <a:solidFill>
-                  <a:schemeClr val="dk1"/>
-                </a:solidFill>
-                <a:highlight>
-                  <a:srgbClr val="FFFFFF"/>
-                </a:highlight>
-                <a:latin typeface="Verdana" panose="020B0604030504040204"/>
-                <a:ea typeface="Verdana" panose="020B0604030504040204"/>
-                <a:cs typeface="Verdana" panose="020B0604030504040204"/>
-                <a:sym typeface="Verdana" panose="020B0604030504040204"/>
-              </a:rPr>
-              <a:t>car.name = Fiat, car.model = 500, car.weight = 850kg, car.color = branco.</a:t>
-            </a:r>
-            <a:endParaRPr sz="1650">
-              <a:solidFill>
-                <a:schemeClr val="dk1"/>
-              </a:solidFill>
-              <a:highlight>
-                <a:srgbClr val="FFFFFF"/>
-              </a:highlight>
-              <a:latin typeface="Verdana" panose="020B0604030504040204"/>
-              <a:ea typeface="Verdana" panose="020B0604030504040204"/>
-              <a:cs typeface="Verdana" panose="020B0604030504040204"/>
-              <a:sym typeface="Verdana" panose="020B0604030504040204"/>
-            </a:endParaRPr>
-          </a:p>
-          <a:p>
-            <a:pPr marL="0" lvl="0" indent="0" algn="l" rtl="0">
-              <a:spcBef>
-                <a:spcPts val="1400"/>
-              </a:spcBef>
-              <a:spcAft>
-                <a:spcPts val="0"/>
-              </a:spcAft>
-              <a:buClr>
-                <a:schemeClr val="dk1"/>
-              </a:buClr>
-              <a:buSzPts val="1100"/>
-              <a:buFont typeface="Arial" panose="020B0604020202020204"/>
-              <a:buNone/>
-            </a:pPr>
-            <a:r>
-              <a:rPr lang="en-GB" sz="1650">
-                <a:solidFill>
-                  <a:schemeClr val="dk1"/>
-                </a:solidFill>
-                <a:highlight>
-                  <a:srgbClr val="FFFFFF"/>
-                </a:highlight>
-                <a:latin typeface="Verdana" panose="020B0604030504040204"/>
-                <a:ea typeface="Verdana" panose="020B0604030504040204"/>
-                <a:cs typeface="Verdana" panose="020B0604030504040204"/>
-                <a:sym typeface="Verdana" panose="020B0604030504040204"/>
-              </a:rPr>
-              <a:t>Objetos de carro têm as mesmas propriedades , mas os valores diferem de carro para carro.</a:t>
-            </a:r>
-            <a:endParaRPr sz="1650">
-              <a:solidFill>
-                <a:schemeClr val="dk1"/>
-              </a:solidFill>
-              <a:highlight>
-                <a:srgbClr val="FFFFFF"/>
-              </a:highlight>
-              <a:latin typeface="Verdana" panose="020B0604030504040204"/>
-              <a:ea typeface="Verdana" panose="020B0604030504040204"/>
-              <a:cs typeface="Verdana" panose="020B0604030504040204"/>
-              <a:sym typeface="Verdana" panose="020B0604030504040204"/>
-            </a:endParaRPr>
-          </a:p>
-          <a:p>
-            <a:pPr marL="0" lvl="0" indent="0" algn="l" rtl="0">
-              <a:spcBef>
-                <a:spcPts val="1400"/>
-              </a:spcBef>
-              <a:spcAft>
-                <a:spcPts val="1200"/>
-              </a:spcAft>
-              <a:buNone/>
-            </a:pPr>
-            <a:endParaRPr sz="2300"/>
-          </a:p>
-        </p:txBody>
-      </p:sp>
-    </p:spTree>
-  </p:cSld>
-  <p:clrMapOvr>
-    <a:masterClrMapping/>
-  </p:clrMapOvr>
-</p:sld>
-</file>
-
-<file path=ppt/slides/slide28.xml><?xml version="1.0" encoding="utf-8"?>
-<p:sld xmlns:a="http://schemas.openxmlformats.org/drawingml/2006/main" xmlns:r="http://schemas.openxmlformats.org/officeDocument/2006/relationships" xmlns:p="http://schemas.openxmlformats.org/presentationml/2006/main">
-  <p:cSld>
-    <p:spTree>
-      <p:nvGrpSpPr>
-        <p:cNvPr id="234" name="Shape 234"/>
-        <p:cNvGrpSpPr/>
-        <p:nvPr/>
-      </p:nvGrpSpPr>
-      <p:grpSpPr>
-        <a:xfrm>
-          <a:off x="0" y="0"/>
-          <a:ext cx="0" cy="0"/>
-          <a:chOff x="0" y="0"/>
-          <a:chExt cx="0" cy="0"/>
-        </a:xfrm>
-      </p:grpSpPr>
-      <p:sp>
-        <p:nvSpPr>
-          <p:cNvPr id="235" name="Google Shape;235;p40"/>
-          <p:cNvSpPr txBox="1"/>
-          <p:nvPr>
-            <p:ph type="title"/>
-          </p:nvPr>
-        </p:nvSpPr>
-        <p:spPr>
-          <a:xfrm>
-            <a:off x="311700" y="445025"/>
-            <a:ext cx="8520600" cy="572700"/>
-          </a:xfrm>
-          <a:prstGeom prst="rect">
-            <a:avLst/>
-          </a:prstGeom>
-        </p:spPr>
-        <p:txBody>
-          <a:bodyPr spcFirstLastPara="1" wrap="square" lIns="91425" tIns="91425" rIns="91425" bIns="91425" anchor="t" anchorCtr="0">
-            <a:normAutofit fontScale="90000"/>
-          </a:bodyPr>
-          <a:lstStyle/>
-          <a:p>
-            <a:pPr marL="0" lvl="0" indent="0" algn="l" rtl="0">
-              <a:lnSpc>
-                <a:spcPct val="115000"/>
-              </a:lnSpc>
-              <a:spcBef>
-                <a:spcPts val="800"/>
-              </a:spcBef>
-              <a:spcAft>
-                <a:spcPts val="0"/>
-              </a:spcAft>
-              <a:buClr>
-                <a:schemeClr val="dk1"/>
-              </a:buClr>
-              <a:buSzPct val="46000"/>
-              <a:buFont typeface="Arial" panose="020B0604020202020204"/>
-              <a:buNone/>
-            </a:pPr>
-            <a:r>
-              <a:rPr lang="en-GB" sz="2400" b="1">
-                <a:highlight>
-                  <a:srgbClr val="FFFFFF"/>
-                </a:highlight>
-              </a:rPr>
-              <a:t>Métodos de Objetos</a:t>
-            </a:r>
-            <a:endParaRPr sz="1100" b="1"/>
-          </a:p>
-          <a:p>
-            <a:pPr marL="0" lvl="0" indent="0" algn="l" rtl="0">
-              <a:spcBef>
-                <a:spcPts val="800"/>
-              </a:spcBef>
-              <a:spcAft>
-                <a:spcPts val="0"/>
-              </a:spcAft>
-              <a:buNone/>
-            </a:pPr>
-            <a:endParaRPr b="1"/>
-          </a:p>
-        </p:txBody>
-      </p:sp>
-      <p:sp>
-        <p:nvSpPr>
-          <p:cNvPr id="236" name="Google Shape;236;p40"/>
-          <p:cNvSpPr txBox="1"/>
-          <p:nvPr>
-            <p:ph type="body" idx="1"/>
-          </p:nvPr>
-        </p:nvSpPr>
-        <p:spPr>
-          <a:xfrm>
-            <a:off x="311700" y="1152475"/>
-            <a:ext cx="8520600" cy="3416400"/>
-          </a:xfrm>
-          <a:prstGeom prst="rect">
-            <a:avLst/>
-          </a:prstGeom>
-        </p:spPr>
-        <p:txBody>
-          <a:bodyPr spcFirstLastPara="1" wrap="square" lIns="91425" tIns="91425" rIns="91425" bIns="91425" anchor="t" anchorCtr="0">
-            <a:noAutofit/>
-          </a:bodyPr>
-          <a:lstStyle/>
-          <a:p>
-            <a:pPr marL="0" lvl="0" indent="0" algn="l" rtl="0">
-              <a:spcBef>
-                <a:spcPts val="1400"/>
-              </a:spcBef>
-              <a:spcAft>
-                <a:spcPts val="0"/>
-              </a:spcAft>
-              <a:buClr>
-                <a:schemeClr val="dk1"/>
-              </a:buClr>
-              <a:buSzPts val="1100"/>
-              <a:buFont typeface="Arial" panose="020B0604020202020204"/>
-              <a:buNone/>
-            </a:pPr>
-            <a:r>
-              <a:rPr lang="en-GB" sz="2000">
-                <a:solidFill>
-                  <a:schemeClr val="dk1"/>
-                </a:solidFill>
-                <a:highlight>
-                  <a:srgbClr val="FFFFFF"/>
-                </a:highlight>
-                <a:latin typeface="Verdana" panose="020B0604030504040204" charset="0"/>
-                <a:ea typeface="Verdana" panose="020B0604030504040204"/>
-                <a:cs typeface="Verdana" panose="020B0604030504040204" charset="0"/>
-                <a:sym typeface="Verdana" panose="020B0604030504040204"/>
-              </a:rPr>
-              <a:t>Um carro real tem métodos como partida e parada:</a:t>
-            </a:r>
-            <a:endParaRPr sz="2000">
-              <a:solidFill>
-                <a:schemeClr val="dk1"/>
-              </a:solidFill>
-              <a:highlight>
-                <a:srgbClr val="FFFFFF"/>
-              </a:highlight>
-              <a:latin typeface="Verdana" panose="020B0604030504040204" charset="0"/>
-              <a:ea typeface="Verdana" panose="020B0604030504040204"/>
-              <a:cs typeface="Verdana" panose="020B0604030504040204" charset="0"/>
-              <a:sym typeface="Verdana" panose="020B0604030504040204"/>
-            </a:endParaRPr>
-          </a:p>
-          <a:p>
-            <a:pPr marL="0" lvl="0" indent="0" algn="l" rtl="0">
-              <a:spcBef>
-                <a:spcPts val="1400"/>
-              </a:spcBef>
-              <a:spcAft>
-                <a:spcPts val="0"/>
-              </a:spcAft>
-              <a:buClr>
-                <a:schemeClr val="dk1"/>
-              </a:buClr>
-              <a:buSzPts val="1100"/>
-              <a:buFont typeface="Arial" panose="020B0604020202020204"/>
-              <a:buNone/>
-            </a:pPr>
-            <a:r>
-              <a:rPr lang="en-GB" sz="2000">
-                <a:solidFill>
-                  <a:schemeClr val="dk1"/>
-                </a:solidFill>
-                <a:highlight>
-                  <a:srgbClr val="FFFFFF"/>
-                </a:highlight>
-                <a:latin typeface="Verdana" panose="020B0604030504040204" charset="0"/>
-                <a:ea typeface="Verdana" panose="020B0604030504040204"/>
-                <a:cs typeface="Verdana" panose="020B0604030504040204" charset="0"/>
-                <a:sym typeface="Verdana" panose="020B0604030504040204"/>
-              </a:rPr>
-              <a:t>carro.start(), carro.drive(), carro.brake(), carro.stop().</a:t>
-            </a:r>
-            <a:endParaRPr sz="2000">
-              <a:solidFill>
-                <a:schemeClr val="dk1"/>
-              </a:solidFill>
-              <a:highlight>
-                <a:srgbClr val="FFFFFF"/>
-              </a:highlight>
-              <a:latin typeface="Verdana" panose="020B0604030504040204" charset="0"/>
-              <a:ea typeface="Verdana" panose="020B0604030504040204"/>
-              <a:cs typeface="Verdana" panose="020B0604030504040204" charset="0"/>
-              <a:sym typeface="Verdana" panose="020B0604030504040204"/>
-            </a:endParaRPr>
-          </a:p>
-          <a:p>
-            <a:pPr marL="0" lvl="0" indent="0" algn="l" rtl="0">
-              <a:spcBef>
-                <a:spcPts val="1400"/>
-              </a:spcBef>
-              <a:spcAft>
-                <a:spcPts val="0"/>
-              </a:spcAft>
-              <a:buClr>
-                <a:schemeClr val="dk1"/>
-              </a:buClr>
-              <a:buSzPts val="1100"/>
-              <a:buFont typeface="Arial" panose="020B0604020202020204"/>
-              <a:buNone/>
-            </a:pPr>
-            <a:r>
-              <a:rPr lang="en-US" altLang="pt-BR" sz="2000">
-                <a:solidFill>
-                  <a:schemeClr val="tx1"/>
-                </a:solidFill>
-                <a:latin typeface="Verdana" panose="020B0604030504040204" charset="0"/>
-                <a:cs typeface="Verdana" panose="020B0604030504040204" charset="0"/>
-              </a:rPr>
-              <a:t>No mundo real, cada uma dessas a</a:t>
-            </a:r>
-            <a:r>
-              <a:rPr lang="" altLang="en-US" sz="2000">
-                <a:solidFill>
-                  <a:schemeClr val="tx1"/>
-                </a:solidFill>
-                <a:latin typeface="Verdana" panose="020B0604030504040204" charset="0"/>
-                <a:cs typeface="Verdana" panose="020B0604030504040204" charset="0"/>
-              </a:rPr>
-              <a:t>çõ</a:t>
-            </a:r>
-            <a:r>
-              <a:rPr lang="en-US" altLang="pt-BR" sz="2000">
-                <a:solidFill>
-                  <a:schemeClr val="tx1"/>
-                </a:solidFill>
-                <a:latin typeface="Verdana" panose="020B0604030504040204" charset="0"/>
-                <a:cs typeface="Verdana" panose="020B0604030504040204" charset="0"/>
-              </a:rPr>
-              <a:t>es ocorre em momentos diferentes, dependendo do que est</a:t>
-            </a:r>
-            <a:r>
-              <a:rPr lang="en-US" altLang="en-US" sz="2000">
-                <a:solidFill>
-                  <a:schemeClr val="tx1"/>
-                </a:solidFill>
-                <a:latin typeface="Verdana" panose="020B0604030504040204" charset="0"/>
-                <a:cs typeface="Verdana" panose="020B0604030504040204" charset="0"/>
-              </a:rPr>
-              <a:t>á</a:t>
-            </a:r>
-            <a:r>
-              <a:rPr lang="en-US" altLang="pt-BR" sz="2000">
-                <a:solidFill>
-                  <a:schemeClr val="tx1"/>
-                </a:solidFill>
-                <a:latin typeface="Verdana" panose="020B0604030504040204" charset="0"/>
-                <a:cs typeface="Verdana" panose="020B0604030504040204" charset="0"/>
-              </a:rPr>
-              <a:t> acontecendo. O mesmo vale para o objeto carro: os m</a:t>
-            </a:r>
-            <a:r>
-              <a:rPr lang="en-US" altLang="en-US" sz="2000">
-                <a:solidFill>
-                  <a:schemeClr val="tx1"/>
-                </a:solidFill>
-                <a:latin typeface="Verdana" panose="020B0604030504040204" charset="0"/>
-                <a:cs typeface="Verdana" panose="020B0604030504040204" charset="0"/>
-              </a:rPr>
-              <a:t>é</a:t>
-            </a:r>
-            <a:r>
-              <a:rPr lang="en-US" altLang="pt-BR" sz="2000">
-                <a:solidFill>
-                  <a:schemeClr val="tx1"/>
-                </a:solidFill>
-                <a:latin typeface="Verdana" panose="020B0604030504040204" charset="0"/>
-                <a:cs typeface="Verdana" panose="020B0604030504040204" charset="0"/>
-              </a:rPr>
-              <a:t>todos s</a:t>
-            </a:r>
-            <a:r>
-              <a:rPr lang="en-US" altLang="en-US" sz="2000">
-                <a:solidFill>
-                  <a:schemeClr val="tx1"/>
-                </a:solidFill>
-                <a:latin typeface="Verdana" panose="020B0604030504040204" charset="0"/>
-                <a:cs typeface="Verdana" panose="020B0604030504040204" charset="0"/>
-              </a:rPr>
-              <a:t>ã</a:t>
-            </a:r>
-            <a:r>
-              <a:rPr lang="en-US" altLang="pt-BR" sz="2000">
-                <a:solidFill>
-                  <a:schemeClr val="tx1"/>
-                </a:solidFill>
-                <a:latin typeface="Verdana" panose="020B0604030504040204" charset="0"/>
-                <a:cs typeface="Verdana" panose="020B0604030504040204" charset="0"/>
-              </a:rPr>
-              <a:t>o chamados em momentos espec</a:t>
-            </a:r>
-            <a:r>
-              <a:rPr lang="en-US" altLang="en-US" sz="2000">
-                <a:solidFill>
-                  <a:schemeClr val="tx1"/>
-                </a:solidFill>
-                <a:latin typeface="Verdana" panose="020B0604030504040204" charset="0"/>
-                <a:cs typeface="Verdana" panose="020B0604030504040204" charset="0"/>
-              </a:rPr>
-              <a:t>í</a:t>
-            </a:r>
-            <a:r>
-              <a:rPr lang="en-US" altLang="pt-BR" sz="2000">
-                <a:solidFill>
-                  <a:schemeClr val="tx1"/>
-                </a:solidFill>
-                <a:latin typeface="Verdana" panose="020B0604030504040204" charset="0"/>
-                <a:cs typeface="Verdana" panose="020B0604030504040204" charset="0"/>
-              </a:rPr>
-              <a:t>ficos, de acordo com a l</a:t>
-            </a:r>
-            <a:r>
-              <a:rPr lang="en-US" altLang="en-US" sz="2000">
-                <a:solidFill>
-                  <a:schemeClr val="tx1"/>
-                </a:solidFill>
-                <a:latin typeface="Verdana" panose="020B0604030504040204" charset="0"/>
-                <a:cs typeface="Verdana" panose="020B0604030504040204" charset="0"/>
-              </a:rPr>
-              <a:t>ó</a:t>
-            </a:r>
-            <a:r>
-              <a:rPr lang="en-US" altLang="pt-BR" sz="2000">
-                <a:solidFill>
-                  <a:schemeClr val="tx1"/>
-                </a:solidFill>
-                <a:latin typeface="Verdana" panose="020B0604030504040204" charset="0"/>
-                <a:cs typeface="Verdana" panose="020B0604030504040204" charset="0"/>
-              </a:rPr>
-              <a:t>gica do programa.</a:t>
-            </a:r>
-            <a:endParaRPr lang="en-US" altLang="pt-BR" sz="2000">
-              <a:solidFill>
-                <a:schemeClr val="tx1"/>
-              </a:solidFill>
-              <a:latin typeface="Verdana" panose="020B0604030504040204" charset="0"/>
-              <a:cs typeface="Verdana" panose="020B0604030504040204" charset="0"/>
-            </a:endParaRPr>
-          </a:p>
-          <a:p>
-            <a:pPr marL="0" lvl="0" indent="0" algn="l" rtl="0">
-              <a:spcBef>
-                <a:spcPts val="1400"/>
-              </a:spcBef>
-              <a:spcAft>
-                <a:spcPts val="0"/>
-              </a:spcAft>
-              <a:buClr>
-                <a:schemeClr val="dk1"/>
-              </a:buClr>
-              <a:buSzPts val="1100"/>
-              <a:buFont typeface="Arial" panose="020B0604020202020204"/>
-              <a:buNone/>
-            </a:pPr>
-            <a:endParaRPr lang="en-US" altLang="pt-BR" sz="2000">
-              <a:latin typeface="Verdana" panose="020B0604030504040204" charset="0"/>
-              <a:cs typeface="Verdana" panose="020B0604030504040204" charset="0"/>
-            </a:endParaRPr>
-          </a:p>
-          <a:p>
-            <a:pPr marL="0" lvl="0" indent="0" algn="l" rtl="0">
-              <a:spcBef>
-                <a:spcPts val="1400"/>
-              </a:spcBef>
-              <a:spcAft>
-                <a:spcPts val="0"/>
-              </a:spcAft>
-              <a:buClr>
-                <a:schemeClr val="dk1"/>
-              </a:buClr>
-              <a:buSzPts val="1100"/>
-              <a:buFont typeface="Arial" panose="020B0604020202020204"/>
-              <a:buNone/>
-            </a:pPr>
-            <a:endParaRPr lang="en-US" altLang="pt-BR" sz="2000">
-              <a:latin typeface="Verdana" panose="020B0604030504040204" charset="0"/>
-              <a:cs typeface="Verdana" panose="020B0604030504040204" charset="0"/>
-            </a:endParaRPr>
-          </a:p>
-          <a:p>
-            <a:pPr marL="0" lvl="0" indent="0" algn="l" rtl="0">
-              <a:spcBef>
-                <a:spcPts val="1400"/>
-              </a:spcBef>
-              <a:spcAft>
-                <a:spcPts val="0"/>
-              </a:spcAft>
-              <a:buClr>
-                <a:schemeClr val="dk1"/>
-              </a:buClr>
-              <a:buSzPts val="1100"/>
-              <a:buFont typeface="Arial" panose="020B0604020202020204"/>
-              <a:buNone/>
-            </a:pPr>
-            <a:endParaRPr lang="en-GB" sz="2000">
-              <a:solidFill>
-                <a:schemeClr val="dk1"/>
-              </a:solidFill>
-              <a:highlight>
-                <a:srgbClr val="FFFFFF"/>
-              </a:highlight>
-              <a:latin typeface="Verdana" panose="020B0604030504040204" charset="0"/>
-              <a:ea typeface="Verdana" panose="020B0604030504040204"/>
-              <a:cs typeface="Verdana" panose="020B0604030504040204" charset="0"/>
-              <a:sym typeface="Verdana" panose="020B0604030504040204"/>
-            </a:endParaRPr>
-          </a:p>
-          <a:p>
-            <a:pPr marL="0" lvl="0" indent="0" algn="l" rtl="0">
-              <a:spcBef>
-                <a:spcPts val="1400"/>
-              </a:spcBef>
-              <a:spcAft>
-                <a:spcPts val="0"/>
-              </a:spcAft>
-              <a:buClr>
-                <a:schemeClr val="dk1"/>
-              </a:buClr>
-              <a:buSzPts val="1100"/>
-              <a:buFont typeface="Arial" panose="020B0604020202020204"/>
-              <a:buNone/>
-            </a:pPr>
-            <a:endParaRPr sz="2000">
-              <a:solidFill>
-                <a:schemeClr val="dk1"/>
-              </a:solidFill>
-              <a:highlight>
-                <a:srgbClr val="FFFFFF"/>
-              </a:highlight>
-              <a:latin typeface="Verdana" panose="020B0604030504040204" charset="0"/>
-              <a:ea typeface="Verdana" panose="020B0604030504040204"/>
-              <a:cs typeface="Verdana" panose="020B0604030504040204" charset="0"/>
-              <a:sym typeface="Verdana" panose="020B0604030504040204"/>
-            </a:endParaRPr>
-          </a:p>
-          <a:p>
-            <a:pPr marL="0" lvl="0" indent="0" algn="l" rtl="0">
-              <a:spcBef>
-                <a:spcPts val="1400"/>
-              </a:spcBef>
-              <a:spcAft>
-                <a:spcPts val="1200"/>
-              </a:spcAft>
-              <a:buNone/>
-            </a:pPr>
-            <a:endParaRPr sz="2000">
-              <a:solidFill>
-                <a:schemeClr val="dk1"/>
-              </a:solidFill>
-              <a:highlight>
-                <a:srgbClr val="FFFFFF"/>
-              </a:highlight>
-              <a:latin typeface="Verdana" panose="020B0604030504040204" charset="0"/>
-              <a:ea typeface="Verdana" panose="020B0604030504040204"/>
-              <a:cs typeface="Verdana" panose="020B0604030504040204" charset="0"/>
-              <a:sym typeface="Verdana" panose="020B0604030504040204"/>
-            </a:endParaRPr>
-          </a:p>
-        </p:txBody>
-      </p:sp>
-    </p:spTree>
-  </p:cSld>
-  <p:clrMapOvr>
-    <a:masterClrMapping/>
-  </p:clrMapOvr>
-</p:sld>
-</file>
-
-<file path=ppt/slides/slide29.xml><?xml version="1.0" encoding="utf-8"?>
-<p:sld xmlns:a="http://schemas.openxmlformats.org/drawingml/2006/main" xmlns:r="http://schemas.openxmlformats.org/officeDocument/2006/relationships" xmlns:p="http://schemas.openxmlformats.org/presentationml/2006/main">
-  <p:cSld>
-    <p:spTree>
-      <p:nvGrpSpPr>
-        <p:cNvPr id="261" name="Shape 261"/>
-        <p:cNvGrpSpPr/>
-        <p:nvPr/>
-      </p:nvGrpSpPr>
-      <p:grpSpPr>
-        <a:xfrm>
-          <a:off x="0" y="0"/>
-          <a:ext cx="0" cy="0"/>
-          <a:chOff x="0" y="0"/>
-          <a:chExt cx="0" cy="0"/>
-        </a:xfrm>
-      </p:grpSpPr>
-      <p:sp>
-        <p:nvSpPr>
-          <p:cNvPr id="262" name="Google Shape;262;p44"/>
-          <p:cNvSpPr txBox="1"/>
-          <p:nvPr>
-            <p:ph type="title"/>
-          </p:nvPr>
-        </p:nvSpPr>
-        <p:spPr>
-          <a:xfrm>
-            <a:off x="311700" y="445025"/>
-            <a:ext cx="8520600" cy="572700"/>
-          </a:xfrm>
-          <a:prstGeom prst="rect">
-            <a:avLst/>
-          </a:prstGeom>
-        </p:spPr>
-        <p:txBody>
-          <a:bodyPr spcFirstLastPara="1" wrap="square" lIns="91425" tIns="91425" rIns="91425" bIns="91425" anchor="t" anchorCtr="0">
-            <a:normAutofit fontScale="90000"/>
-          </a:bodyPr>
-          <a:lstStyle/>
-          <a:p>
-            <a:pPr marL="0" lvl="0" indent="0" algn="l" rtl="0">
-              <a:spcBef>
-                <a:spcPts val="0"/>
-              </a:spcBef>
-              <a:spcAft>
-                <a:spcPts val="0"/>
-              </a:spcAft>
-              <a:buNone/>
-            </a:pPr>
-            <a:r>
-              <a:rPr lang="en-GB" b="1"/>
-              <a:t>Métodos</a:t>
-            </a:r>
-            <a:r>
-              <a:rPr lang="pt-BR" altLang="en-GB" b="1"/>
-              <a:t>: exemplo de uso</a:t>
-            </a:r>
-            <a:endParaRPr lang="pt-BR" altLang="en-GB" b="1"/>
-          </a:p>
-        </p:txBody>
-      </p:sp>
-      <p:sp>
-        <p:nvSpPr>
-          <p:cNvPr id="263" name="Google Shape;263;p44"/>
-          <p:cNvSpPr txBox="1"/>
-          <p:nvPr>
-            <p:ph type="body" idx="1"/>
-          </p:nvPr>
-        </p:nvSpPr>
-        <p:spPr>
-          <a:xfrm>
-            <a:off x="311700" y="1152475"/>
-            <a:ext cx="8520600" cy="3416400"/>
-          </a:xfrm>
-          <a:prstGeom prst="rect">
-            <a:avLst/>
-          </a:prstGeom>
-        </p:spPr>
-        <p:txBody>
-          <a:bodyPr spcFirstLastPara="1" wrap="square" lIns="91425" tIns="91425" rIns="91425" bIns="91425" anchor="t" anchorCtr="0">
-            <a:normAutofit/>
-          </a:bodyPr>
-          <a:lstStyle/>
-          <a:p>
-            <a:pPr marL="0" lvl="0" indent="0" algn="l" rtl="0">
-              <a:spcBef>
-                <a:spcPts val="0"/>
-              </a:spcBef>
-              <a:spcAft>
-                <a:spcPts val="1200"/>
-              </a:spcAft>
-              <a:buNone/>
-            </a:pPr>
-          </a:p>
-        </p:txBody>
-      </p:sp>
-      <p:pic>
-        <p:nvPicPr>
-          <p:cNvPr id="1" name="Imagem 0"/>
-          <p:cNvPicPr>
-            <a:picLocks noChangeAspect="1"/>
-          </p:cNvPicPr>
-          <p:nvPr/>
-        </p:nvPicPr>
-        <p:blipFill>
-          <a:blip r:embed="rId1"/>
-          <a:stretch>
-            <a:fillRect/>
-          </a:stretch>
-        </p:blipFill>
-        <p:spPr>
-          <a:xfrm>
-            <a:off x="654685" y="1152525"/>
-            <a:ext cx="4946015" cy="3646170"/>
-          </a:xfrm>
-          <a:prstGeom prst="rect">
-            <a:avLst/>
-          </a:prstGeom>
-        </p:spPr>
-      </p:pic>
-    </p:spTree>
-  </p:cSld>
-  <p:clrMapOvr>
-    <a:masterClrMapping/>
-  </p:clrMapOvr>
-</p:sld>
-</file>
-
 <file path=ppt/slides/slide3.xml><?xml version="1.0" encoding="utf-8"?>
 <p:sld xmlns:a="http://schemas.openxmlformats.org/drawingml/2006/main" xmlns:r="http://schemas.openxmlformats.org/officeDocument/2006/relationships" xmlns:p="http://schemas.openxmlformats.org/presentationml/2006/main">
   <p:cSld>
@@ -16736,2524 +15064,6 @@
           </a:ln>
         </p:spPr>
       </p:pic>
-    </p:spTree>
-  </p:cSld>
-  <p:clrMapOvr>
-    <a:masterClrMapping/>
-  </p:clrMapOvr>
-</p:sld>
-</file>
-
-<file path=ppt/slides/slide30.xml><?xml version="1.0" encoding="utf-8"?>
-<p:sld xmlns:a="http://schemas.openxmlformats.org/drawingml/2006/main" xmlns:r="http://schemas.openxmlformats.org/officeDocument/2006/relationships" xmlns:p="http://schemas.openxmlformats.org/presentationml/2006/main">
-  <p:cSld>
-    <p:spTree>
-      <p:nvGrpSpPr>
-        <p:cNvPr id="240" name="Shape 240"/>
-        <p:cNvGrpSpPr/>
-        <p:nvPr/>
-      </p:nvGrpSpPr>
-      <p:grpSpPr>
-        <a:xfrm>
-          <a:off x="0" y="0"/>
-          <a:ext cx="0" cy="0"/>
-          <a:chOff x="0" y="0"/>
-          <a:chExt cx="0" cy="0"/>
-        </a:xfrm>
-      </p:grpSpPr>
-      <p:sp>
-        <p:nvSpPr>
-          <p:cNvPr id="241" name="Google Shape;241;p41"/>
-          <p:cNvSpPr txBox="1"/>
-          <p:nvPr>
-            <p:ph type="title"/>
-          </p:nvPr>
-        </p:nvSpPr>
-        <p:spPr>
-          <a:xfrm>
-            <a:off x="311700" y="445025"/>
-            <a:ext cx="8520600" cy="572700"/>
-          </a:xfrm>
-          <a:prstGeom prst="rect">
-            <a:avLst/>
-          </a:prstGeom>
-        </p:spPr>
-        <p:txBody>
-          <a:bodyPr spcFirstLastPara="1" wrap="square" lIns="91425" tIns="91425" rIns="91425" bIns="91425" anchor="t" anchorCtr="0">
-            <a:normAutofit fontScale="90000"/>
-          </a:bodyPr>
-          <a:lstStyle/>
-          <a:p>
-            <a:pPr marL="0" lvl="0" indent="0" algn="l" rtl="0">
-              <a:lnSpc>
-                <a:spcPct val="115000"/>
-              </a:lnSpc>
-              <a:spcBef>
-                <a:spcPts val="800"/>
-              </a:spcBef>
-              <a:spcAft>
-                <a:spcPts val="0"/>
-              </a:spcAft>
-              <a:buNone/>
-            </a:pPr>
-            <a:r>
-              <a:rPr lang="en-GB" sz="2400" b="1">
-                <a:highlight>
-                  <a:srgbClr val="FFFFFF"/>
-                </a:highlight>
-              </a:rPr>
-              <a:t>Variáveis x Objetos ​​JavaScript</a:t>
-            </a:r>
-            <a:endParaRPr sz="2400" b="1">
-              <a:highlight>
-                <a:srgbClr val="FFFFFF"/>
-              </a:highlight>
-            </a:endParaRPr>
-          </a:p>
-          <a:p>
-            <a:pPr marL="0" lvl="0" indent="0" algn="l" rtl="0">
-              <a:lnSpc>
-                <a:spcPct val="115000"/>
-              </a:lnSpc>
-              <a:spcBef>
-                <a:spcPts val="800"/>
-              </a:spcBef>
-              <a:spcAft>
-                <a:spcPts val="0"/>
-              </a:spcAft>
-              <a:buNone/>
-            </a:pPr>
-            <a:endParaRPr sz="1100" b="1"/>
-          </a:p>
-          <a:p>
-            <a:pPr marL="0" lvl="0" indent="0" algn="l" rtl="0">
-              <a:lnSpc>
-                <a:spcPct val="115000"/>
-              </a:lnSpc>
-              <a:spcBef>
-                <a:spcPts val="800"/>
-              </a:spcBef>
-              <a:spcAft>
-                <a:spcPts val="800"/>
-              </a:spcAft>
-              <a:buNone/>
-            </a:pPr>
-            <a:endParaRPr sz="2400" b="1">
-              <a:highlight>
-                <a:srgbClr val="FFFFFF"/>
-              </a:highlight>
-            </a:endParaRPr>
-          </a:p>
-        </p:txBody>
-      </p:sp>
-      <p:sp>
-        <p:nvSpPr>
-          <p:cNvPr id="242" name="Google Shape;242;p41"/>
-          <p:cNvSpPr txBox="1"/>
-          <p:nvPr>
-            <p:ph type="body" idx="1"/>
-          </p:nvPr>
-        </p:nvSpPr>
-        <p:spPr>
-          <a:xfrm>
-            <a:off x="409200" y="1147950"/>
-            <a:ext cx="8734800" cy="1423800"/>
-          </a:xfrm>
-          <a:prstGeom prst="rect">
-            <a:avLst/>
-          </a:prstGeom>
-        </p:spPr>
-        <p:txBody>
-          <a:bodyPr spcFirstLastPara="1" wrap="square" lIns="91425" tIns="91425" rIns="91425" bIns="91425" anchor="t" anchorCtr="0">
-            <a:noAutofit/>
-          </a:bodyPr>
-          <a:lstStyle/>
-          <a:p>
-            <a:pPr marL="114300" marR="114300" lvl="0" indent="0" algn="l" rtl="0">
-              <a:spcBef>
-                <a:spcPts val="3000"/>
-              </a:spcBef>
-              <a:spcAft>
-                <a:spcPts val="0"/>
-              </a:spcAft>
-              <a:buNone/>
-            </a:pPr>
-            <a:r>
-              <a:rPr lang="en-GB" sz="2000">
-                <a:solidFill>
-                  <a:srgbClr val="0000CD"/>
-                </a:solidFill>
-                <a:highlight>
-                  <a:srgbClr val="FFFFFF"/>
-                </a:highlight>
-                <a:latin typeface="Courier New" panose="02070309020205020404"/>
-                <a:ea typeface="Courier New" panose="02070309020205020404"/>
-                <a:cs typeface="Courier New" panose="02070309020205020404"/>
-                <a:sym typeface="Courier New" panose="02070309020205020404"/>
-              </a:rPr>
-              <a:t>let</a:t>
-            </a:r>
-            <a:r>
-              <a:rPr lang="en-GB" sz="2000">
-                <a:solidFill>
-                  <a:schemeClr val="dk1"/>
-                </a:solidFill>
-                <a:highlight>
-                  <a:srgbClr val="FFFFFF"/>
-                </a:highlight>
-                <a:latin typeface="Courier New" panose="02070309020205020404"/>
-                <a:ea typeface="Courier New" panose="02070309020205020404"/>
-                <a:cs typeface="Courier New" panose="02070309020205020404"/>
-                <a:sym typeface="Courier New" panose="02070309020205020404"/>
-              </a:rPr>
-              <a:t> nome = </a:t>
-            </a:r>
-            <a:r>
-              <a:rPr lang="en-GB" sz="2000">
-                <a:solidFill>
-                  <a:srgbClr val="A52A2A"/>
-                </a:solidFill>
-                <a:highlight>
-                  <a:srgbClr val="FFFFFF"/>
-                </a:highlight>
-                <a:latin typeface="Courier New" panose="02070309020205020404"/>
-                <a:ea typeface="Courier New" panose="02070309020205020404"/>
-                <a:cs typeface="Courier New" panose="02070309020205020404"/>
-                <a:sym typeface="Courier New" panose="02070309020205020404"/>
-              </a:rPr>
-              <a:t>"Jean"</a:t>
-            </a:r>
-            <a:r>
-              <a:rPr lang="en-GB" sz="2000">
-                <a:solidFill>
-                  <a:schemeClr val="dk1"/>
-                </a:solidFill>
-                <a:highlight>
-                  <a:srgbClr val="FFFFFF"/>
-                </a:highlight>
-                <a:latin typeface="Courier New" panose="02070309020205020404"/>
-                <a:ea typeface="Courier New" panose="02070309020205020404"/>
-                <a:cs typeface="Courier New" panose="02070309020205020404"/>
-                <a:sym typeface="Courier New" panose="02070309020205020404"/>
-              </a:rPr>
-              <a:t>;</a:t>
-            </a:r>
-            <a:endParaRPr sz="2000">
-              <a:solidFill>
-                <a:schemeClr val="dk1"/>
-              </a:solidFill>
-              <a:highlight>
-                <a:srgbClr val="FFFFFF"/>
-              </a:highlight>
-              <a:latin typeface="Courier New" panose="02070309020205020404"/>
-              <a:ea typeface="Courier New" panose="02070309020205020404"/>
-              <a:cs typeface="Courier New" panose="02070309020205020404"/>
-              <a:sym typeface="Courier New" panose="02070309020205020404"/>
-            </a:endParaRPr>
-          </a:p>
-          <a:p>
-            <a:pPr marL="114300" marR="114300" lvl="0" indent="0" algn="l" rtl="0">
-              <a:spcBef>
-                <a:spcPts val="3000"/>
-              </a:spcBef>
-              <a:spcAft>
-                <a:spcPts val="0"/>
-              </a:spcAft>
-              <a:buNone/>
-            </a:pPr>
-            <a:r>
-              <a:rPr lang="en-GB" sz="2000">
-                <a:solidFill>
-                  <a:srgbClr val="0000CD"/>
-                </a:solidFill>
-                <a:highlight>
-                  <a:srgbClr val="FFFFFF"/>
-                </a:highlight>
-                <a:latin typeface="Courier New" panose="02070309020205020404"/>
-                <a:ea typeface="Courier New" panose="02070309020205020404"/>
-                <a:cs typeface="Courier New" panose="02070309020205020404"/>
-                <a:sym typeface="Courier New" panose="02070309020205020404"/>
-              </a:rPr>
-              <a:t>const</a:t>
-            </a:r>
-            <a:r>
-              <a:rPr lang="en-GB" sz="2000">
-                <a:solidFill>
-                  <a:schemeClr val="dk1"/>
-                </a:solidFill>
-                <a:highlight>
-                  <a:srgbClr val="FFFFFF"/>
-                </a:highlight>
-                <a:latin typeface="Courier New" panose="02070309020205020404"/>
-                <a:ea typeface="Courier New" panose="02070309020205020404"/>
-                <a:cs typeface="Courier New" panose="02070309020205020404"/>
-                <a:sym typeface="Courier New" panose="02070309020205020404"/>
-              </a:rPr>
-              <a:t> </a:t>
-            </a:r>
-            <a:r>
-              <a:rPr lang="en-GB" sz="2000">
-                <a:solidFill>
-                  <a:schemeClr val="dk1"/>
-                </a:solidFill>
-                <a:highlight>
-                  <a:srgbClr val="FFFFFF"/>
-                </a:highlight>
-                <a:latin typeface="Courier New" panose="02070309020205020404"/>
-                <a:ea typeface="Courier New" panose="02070309020205020404"/>
-                <a:cs typeface="Courier New" panose="02070309020205020404"/>
-                <a:sym typeface="Courier New" panose="02070309020205020404"/>
-              </a:rPr>
-              <a:t>pessoa </a:t>
-            </a:r>
-            <a:r>
-              <a:rPr lang="en-GB" sz="2000">
-                <a:solidFill>
-                  <a:schemeClr val="dk1"/>
-                </a:solidFill>
-                <a:highlight>
-                  <a:srgbClr val="FFFFFF"/>
-                </a:highlight>
-                <a:latin typeface="Courier New" panose="02070309020205020404"/>
-                <a:ea typeface="Courier New" panose="02070309020205020404"/>
-                <a:cs typeface="Courier New" panose="02070309020205020404"/>
-                <a:sym typeface="Courier New" panose="02070309020205020404"/>
-              </a:rPr>
-              <a:t>= {</a:t>
-            </a:r>
-            <a:r>
-              <a:rPr lang="en-GB" sz="2000">
-                <a:solidFill>
-                  <a:schemeClr val="dk1"/>
-                </a:solidFill>
-                <a:highlight>
-                  <a:srgbClr val="FFFFFF"/>
-                </a:highlight>
-                <a:latin typeface="Courier New" panose="02070309020205020404"/>
-                <a:ea typeface="Courier New" panose="02070309020205020404"/>
-                <a:cs typeface="Courier New" panose="02070309020205020404"/>
-                <a:sym typeface="Courier New" panose="02070309020205020404"/>
-              </a:rPr>
-              <a:t>primeiroNome</a:t>
-            </a:r>
-            <a:r>
-              <a:rPr lang="en-GB" sz="2000">
-                <a:solidFill>
-                  <a:schemeClr val="dk1"/>
-                </a:solidFill>
-                <a:highlight>
-                  <a:srgbClr val="FFFFFF"/>
-                </a:highlight>
-                <a:latin typeface="Courier New" panose="02070309020205020404"/>
-                <a:ea typeface="Courier New" panose="02070309020205020404"/>
-                <a:cs typeface="Courier New" panose="02070309020205020404"/>
-                <a:sym typeface="Courier New" panose="02070309020205020404"/>
-              </a:rPr>
-              <a:t>:</a:t>
-            </a:r>
-            <a:r>
-              <a:rPr lang="en-GB" sz="2000">
-                <a:solidFill>
-                  <a:srgbClr val="A52A2A"/>
-                </a:solidFill>
-                <a:highlight>
-                  <a:srgbClr val="FFFFFF"/>
-                </a:highlight>
-                <a:latin typeface="Courier New" panose="02070309020205020404"/>
-                <a:ea typeface="Courier New" panose="02070309020205020404"/>
-                <a:cs typeface="Courier New" panose="02070309020205020404"/>
-                <a:sym typeface="Courier New" panose="02070309020205020404"/>
-              </a:rPr>
-              <a:t>"</a:t>
-            </a:r>
-            <a:r>
-              <a:rPr lang="en-GB" sz="2000">
-                <a:solidFill>
-                  <a:srgbClr val="A52A2A"/>
-                </a:solidFill>
-                <a:highlight>
-                  <a:srgbClr val="FFFFFF"/>
-                </a:highlight>
-                <a:latin typeface="Courier New" panose="02070309020205020404"/>
-                <a:ea typeface="Courier New" panose="02070309020205020404"/>
-                <a:cs typeface="Courier New" panose="02070309020205020404"/>
-                <a:sym typeface="Courier New" panose="02070309020205020404"/>
-              </a:rPr>
-              <a:t>Jean</a:t>
-            </a:r>
-            <a:r>
-              <a:rPr lang="en-GB" sz="2000">
-                <a:solidFill>
-                  <a:srgbClr val="A52A2A"/>
-                </a:solidFill>
-                <a:highlight>
-                  <a:srgbClr val="FFFFFF"/>
-                </a:highlight>
-                <a:latin typeface="Courier New" panose="02070309020205020404"/>
-                <a:ea typeface="Courier New" panose="02070309020205020404"/>
-                <a:cs typeface="Courier New" panose="02070309020205020404"/>
-                <a:sym typeface="Courier New" panose="02070309020205020404"/>
-              </a:rPr>
-              <a:t>"</a:t>
-            </a:r>
-            <a:r>
-              <a:rPr lang="en-GB" sz="2000">
-                <a:solidFill>
-                  <a:schemeClr val="dk1"/>
-                </a:solidFill>
-                <a:highlight>
-                  <a:srgbClr val="FFFFFF"/>
-                </a:highlight>
-                <a:latin typeface="Courier New" panose="02070309020205020404"/>
-                <a:ea typeface="Courier New" panose="02070309020205020404"/>
-                <a:cs typeface="Courier New" panose="02070309020205020404"/>
-                <a:sym typeface="Courier New" panose="02070309020205020404"/>
-              </a:rPr>
-              <a:t>, </a:t>
-            </a:r>
-            <a:r>
-              <a:rPr lang="en-GB" sz="2000">
-                <a:solidFill>
-                  <a:schemeClr val="dk1"/>
-                </a:solidFill>
-                <a:highlight>
-                  <a:srgbClr val="FFFFFF"/>
-                </a:highlight>
-                <a:latin typeface="Courier New" panose="02070309020205020404"/>
-                <a:ea typeface="Courier New" panose="02070309020205020404"/>
-                <a:cs typeface="Courier New" panose="02070309020205020404"/>
-                <a:sym typeface="Courier New" panose="02070309020205020404"/>
-              </a:rPr>
-              <a:t>ultimoNome</a:t>
-            </a:r>
-            <a:r>
-              <a:rPr lang="en-GB" sz="2000">
-                <a:solidFill>
-                  <a:schemeClr val="dk1"/>
-                </a:solidFill>
-                <a:highlight>
-                  <a:srgbClr val="FFFFFF"/>
-                </a:highlight>
-                <a:latin typeface="Courier New" panose="02070309020205020404"/>
-                <a:ea typeface="Courier New" panose="02070309020205020404"/>
-                <a:cs typeface="Courier New" panose="02070309020205020404"/>
-                <a:sym typeface="Courier New" panose="02070309020205020404"/>
-              </a:rPr>
-              <a:t>:</a:t>
-            </a:r>
-            <a:r>
-              <a:rPr lang="en-GB" sz="2000">
-                <a:solidFill>
-                  <a:srgbClr val="A52A2A"/>
-                </a:solidFill>
-                <a:highlight>
-                  <a:srgbClr val="FFFFFF"/>
-                </a:highlight>
-                <a:latin typeface="Courier New" panose="02070309020205020404"/>
-                <a:ea typeface="Courier New" panose="02070309020205020404"/>
-                <a:cs typeface="Courier New" panose="02070309020205020404"/>
-                <a:sym typeface="Courier New" panose="02070309020205020404"/>
-              </a:rPr>
-              <a:t>"</a:t>
-            </a:r>
-            <a:r>
-              <a:rPr lang="en-GB" sz="2000">
-                <a:solidFill>
-                  <a:srgbClr val="A52A2A"/>
-                </a:solidFill>
-                <a:highlight>
-                  <a:srgbClr val="FFFFFF"/>
-                </a:highlight>
-                <a:latin typeface="Courier New" panose="02070309020205020404"/>
-                <a:ea typeface="Courier New" panose="02070309020205020404"/>
-                <a:cs typeface="Courier New" panose="02070309020205020404"/>
-                <a:sym typeface="Courier New" panose="02070309020205020404"/>
-              </a:rPr>
-              <a:t>Krebs</a:t>
-            </a:r>
-            <a:r>
-              <a:rPr lang="en-GB" sz="2000">
-                <a:solidFill>
-                  <a:srgbClr val="A52A2A"/>
-                </a:solidFill>
-                <a:highlight>
-                  <a:srgbClr val="FFFFFF"/>
-                </a:highlight>
-                <a:latin typeface="Courier New" panose="02070309020205020404"/>
-                <a:ea typeface="Courier New" panose="02070309020205020404"/>
-                <a:cs typeface="Courier New" panose="02070309020205020404"/>
-                <a:sym typeface="Courier New" panose="02070309020205020404"/>
-              </a:rPr>
-              <a:t>"</a:t>
-            </a:r>
-            <a:r>
-              <a:rPr lang="en-GB" sz="2000">
-                <a:solidFill>
-                  <a:schemeClr val="dk1"/>
-                </a:solidFill>
-                <a:highlight>
-                  <a:srgbClr val="FFFFFF"/>
-                </a:highlight>
-                <a:latin typeface="Courier New" panose="02070309020205020404"/>
-                <a:ea typeface="Courier New" panose="02070309020205020404"/>
-                <a:cs typeface="Courier New" panose="02070309020205020404"/>
-                <a:sym typeface="Courier New" panose="02070309020205020404"/>
-              </a:rPr>
-              <a:t>, </a:t>
-            </a:r>
-            <a:r>
-              <a:rPr lang="en-GB" sz="2000">
-                <a:solidFill>
-                  <a:schemeClr val="dk1"/>
-                </a:solidFill>
-                <a:highlight>
-                  <a:srgbClr val="FFFFFF"/>
-                </a:highlight>
-                <a:latin typeface="Courier New" panose="02070309020205020404"/>
-                <a:ea typeface="Courier New" panose="02070309020205020404"/>
-                <a:cs typeface="Courier New" panose="02070309020205020404"/>
-                <a:sym typeface="Courier New" panose="02070309020205020404"/>
-              </a:rPr>
-              <a:t>idade</a:t>
-            </a:r>
-            <a:r>
-              <a:rPr lang="en-GB" sz="2000">
-                <a:solidFill>
-                  <a:schemeClr val="dk1"/>
-                </a:solidFill>
-                <a:highlight>
-                  <a:srgbClr val="FFFFFF"/>
-                </a:highlight>
-                <a:latin typeface="Courier New" panose="02070309020205020404"/>
-                <a:ea typeface="Courier New" panose="02070309020205020404"/>
-                <a:cs typeface="Courier New" panose="02070309020205020404"/>
-                <a:sym typeface="Courier New" panose="02070309020205020404"/>
-              </a:rPr>
-              <a:t>:</a:t>
-            </a:r>
-            <a:r>
-              <a:rPr lang="en-GB" sz="2000">
-                <a:solidFill>
-                  <a:srgbClr val="A52A2A"/>
-                </a:solidFill>
-                <a:highlight>
-                  <a:srgbClr val="FFFFFF"/>
-                </a:highlight>
-                <a:latin typeface="Courier New" panose="02070309020205020404"/>
-                <a:ea typeface="Courier New" panose="02070309020205020404"/>
-                <a:cs typeface="Courier New" panose="02070309020205020404"/>
-                <a:sym typeface="Courier New" panose="02070309020205020404"/>
-              </a:rPr>
-              <a:t>50</a:t>
-            </a:r>
-            <a:r>
-              <a:rPr lang="en-GB" sz="2000">
-                <a:solidFill>
-                  <a:schemeClr val="dk1"/>
-                </a:solidFill>
-                <a:highlight>
-                  <a:srgbClr val="FFFFFF"/>
-                </a:highlight>
-                <a:latin typeface="Courier New" panose="02070309020205020404"/>
-                <a:ea typeface="Courier New" panose="02070309020205020404"/>
-                <a:cs typeface="Courier New" panose="02070309020205020404"/>
-                <a:sym typeface="Courier New" panose="02070309020205020404"/>
-              </a:rPr>
-              <a:t>, corDosOlhos: </a:t>
-            </a:r>
-            <a:r>
-              <a:rPr lang="en-GB" sz="2000">
-                <a:solidFill>
-                  <a:srgbClr val="A52A2A"/>
-                </a:solidFill>
-                <a:highlight>
-                  <a:srgbClr val="FFFFFF"/>
-                </a:highlight>
-                <a:latin typeface="Courier New" panose="02070309020205020404"/>
-                <a:ea typeface="Courier New" panose="02070309020205020404"/>
-                <a:cs typeface="Courier New" panose="02070309020205020404"/>
-                <a:sym typeface="Courier New" panose="02070309020205020404"/>
-              </a:rPr>
-              <a:t>"Azul"</a:t>
-            </a:r>
-            <a:endParaRPr sz="2000">
-              <a:solidFill>
-                <a:srgbClr val="A52A2A"/>
-              </a:solidFill>
-              <a:highlight>
-                <a:srgbClr val="FFFFFF"/>
-              </a:highlight>
-              <a:latin typeface="Courier New" panose="02070309020205020404"/>
-              <a:ea typeface="Courier New" panose="02070309020205020404"/>
-              <a:cs typeface="Courier New" panose="02070309020205020404"/>
-              <a:sym typeface="Courier New" panose="02070309020205020404"/>
-            </a:endParaRPr>
-          </a:p>
-          <a:p>
-            <a:pPr marL="114300" marR="114300" lvl="0" indent="0" algn="l" rtl="0">
-              <a:spcBef>
-                <a:spcPts val="3000"/>
-              </a:spcBef>
-              <a:spcAft>
-                <a:spcPts val="3000"/>
-              </a:spcAft>
-              <a:buNone/>
-            </a:pPr>
-            <a:r>
-              <a:rPr lang="en-GB" sz="2000">
-                <a:solidFill>
-                  <a:schemeClr val="dk1"/>
-                </a:solidFill>
-                <a:highlight>
-                  <a:srgbClr val="FFFFFF"/>
-                </a:highlight>
-                <a:latin typeface="Courier New" panose="02070309020205020404"/>
-                <a:ea typeface="Courier New" panose="02070309020205020404"/>
-                <a:cs typeface="Courier New" panose="02070309020205020404"/>
-                <a:sym typeface="Courier New" panose="02070309020205020404"/>
-              </a:rPr>
-              <a:t>};</a:t>
-            </a:r>
-            <a:endParaRPr sz="2000">
-              <a:solidFill>
-                <a:schemeClr val="dk1"/>
-              </a:solidFill>
-              <a:highlight>
-                <a:srgbClr val="FFFFFF"/>
-              </a:highlight>
-              <a:latin typeface="Courier New" panose="02070309020205020404"/>
-              <a:ea typeface="Courier New" panose="02070309020205020404"/>
-              <a:cs typeface="Courier New" panose="02070309020205020404"/>
-              <a:sym typeface="Courier New" panose="02070309020205020404"/>
-            </a:endParaRPr>
-          </a:p>
-        </p:txBody>
-      </p:sp>
-      <p:sp>
-        <p:nvSpPr>
-          <p:cNvPr id="243" name="Google Shape;243;p41"/>
-          <p:cNvSpPr/>
-          <p:nvPr/>
-        </p:nvSpPr>
-        <p:spPr>
-          <a:xfrm>
-            <a:off x="7215600" y="543750"/>
-            <a:ext cx="1928400" cy="1351800"/>
-          </a:xfrm>
-          <a:prstGeom prst="wedgeRectCallout">
-            <a:avLst>
-              <a:gd name="adj1" fmla="val -149069"/>
-              <a:gd name="adj2" fmla="val 62847"/>
-            </a:avLst>
-          </a:prstGeom>
-          <a:solidFill>
-            <a:schemeClr val="accent6"/>
-          </a:solidFill>
-          <a:ln w="9525" cap="flat" cmpd="sng">
-            <a:solidFill>
-              <a:schemeClr val="accent6"/>
-            </a:solidFill>
-            <a:prstDash val="solid"/>
-            <a:round/>
-            <a:headEnd type="none" w="sm" len="sm"/>
-            <a:tailEnd type="none" w="sm" len="sm"/>
-          </a:ln>
-        </p:spPr>
-        <p:txBody>
-          <a:bodyPr spcFirstLastPara="1" wrap="square" lIns="91425" tIns="91425" rIns="91425" bIns="91425" anchor="ctr" anchorCtr="0">
-            <a:noAutofit/>
-          </a:bodyPr>
-          <a:lstStyle/>
-          <a:p>
-            <a:pPr marL="0" lvl="0" indent="0" algn="l" rtl="0">
-              <a:lnSpc>
-                <a:spcPct val="115000"/>
-              </a:lnSpc>
-              <a:spcBef>
-                <a:spcPts val="1100"/>
-              </a:spcBef>
-              <a:spcAft>
-                <a:spcPts val="1100"/>
-              </a:spcAft>
-              <a:buNone/>
-            </a:pPr>
-            <a:r>
-              <a:rPr lang="en-GB" sz="1250">
-                <a:solidFill>
-                  <a:schemeClr val="dk1"/>
-                </a:solidFill>
-                <a:latin typeface="Verdana" panose="020B0604030504040204"/>
-                <a:ea typeface="Verdana" panose="020B0604030504040204"/>
-                <a:cs typeface="Verdana" panose="020B0604030504040204"/>
-                <a:sym typeface="Verdana" panose="020B0604030504040204"/>
-              </a:rPr>
-              <a:t>É uma prática comum declarar objetos com a palavra-chave </a:t>
-            </a:r>
-            <a:r>
-              <a:rPr lang="en-GB" sz="1300">
-                <a:solidFill>
-                  <a:srgbClr val="DC143C"/>
-                </a:solidFill>
-                <a:latin typeface="Courier New" panose="02070309020205020404"/>
-                <a:ea typeface="Courier New" panose="02070309020205020404"/>
-                <a:cs typeface="Courier New" panose="02070309020205020404"/>
-                <a:sym typeface="Courier New" panose="02070309020205020404"/>
-              </a:rPr>
-              <a:t>const</a:t>
-            </a:r>
-            <a:r>
-              <a:rPr lang="en-GB" sz="1250">
-                <a:solidFill>
-                  <a:schemeClr val="dk1"/>
-                </a:solidFill>
-                <a:latin typeface="Verdana" panose="020B0604030504040204"/>
-                <a:ea typeface="Verdana" panose="020B0604030504040204"/>
-                <a:cs typeface="Verdana" panose="020B0604030504040204"/>
-                <a:sym typeface="Verdana" panose="020B0604030504040204"/>
-              </a:rPr>
-              <a:t>.</a:t>
-            </a:r>
-            <a:endParaRPr sz="1250">
-              <a:solidFill>
-                <a:schemeClr val="dk1"/>
-              </a:solidFill>
-              <a:highlight>
-                <a:schemeClr val="accent6"/>
-              </a:highlight>
-              <a:latin typeface="Verdana" panose="020B0604030504040204"/>
-              <a:ea typeface="Verdana" panose="020B0604030504040204"/>
-              <a:cs typeface="Verdana" panose="020B0604030504040204"/>
-              <a:sym typeface="Verdana" panose="020B0604030504040204"/>
-            </a:endParaRPr>
-          </a:p>
-        </p:txBody>
-      </p:sp>
-      <p:sp>
-        <p:nvSpPr>
-          <p:cNvPr id="244" name="Google Shape;244;p41"/>
-          <p:cNvSpPr/>
-          <p:nvPr/>
-        </p:nvSpPr>
-        <p:spPr>
-          <a:xfrm>
-            <a:off x="7294500" y="3018075"/>
-            <a:ext cx="1928400" cy="1351800"/>
-          </a:xfrm>
-          <a:prstGeom prst="wedgeRectCallout">
-            <a:avLst>
-              <a:gd name="adj1" fmla="val -127251"/>
-              <a:gd name="adj2" fmla="val 13737"/>
-            </a:avLst>
-          </a:prstGeom>
-          <a:solidFill>
-            <a:schemeClr val="accent6"/>
-          </a:solidFill>
-          <a:ln w="9525" cap="flat" cmpd="sng">
-            <a:solidFill>
-              <a:schemeClr val="accent6"/>
-            </a:solidFill>
-            <a:prstDash val="solid"/>
-            <a:round/>
-            <a:headEnd type="none" w="sm" len="sm"/>
-            <a:tailEnd type="none" w="sm" len="sm"/>
-          </a:ln>
-        </p:spPr>
-        <p:txBody>
-          <a:bodyPr spcFirstLastPara="1" wrap="square" lIns="91425" tIns="91425" rIns="91425" bIns="91425" anchor="ctr" anchorCtr="0">
-            <a:noAutofit/>
-          </a:bodyPr>
-          <a:lstStyle/>
-          <a:p>
-            <a:pPr marL="0" lvl="0" indent="0" algn="l" rtl="0">
-              <a:lnSpc>
-                <a:spcPct val="115000"/>
-              </a:lnSpc>
-              <a:spcBef>
-                <a:spcPts val="1100"/>
-              </a:spcBef>
-              <a:spcAft>
-                <a:spcPts val="1100"/>
-              </a:spcAft>
-              <a:buNone/>
-            </a:pPr>
-            <a:r>
-              <a:rPr lang="en-GB" sz="1150">
-                <a:solidFill>
-                  <a:schemeClr val="dk1"/>
-                </a:solidFill>
-                <a:latin typeface="Verdana" panose="020B0604030504040204"/>
-                <a:ea typeface="Verdana" panose="020B0604030504040204"/>
-                <a:cs typeface="Verdana" panose="020B0604030504040204"/>
-                <a:sym typeface="Verdana" panose="020B0604030504040204"/>
-              </a:rPr>
-              <a:t>Espaços e quebras de linha não são importantes. Um inicializador de objeto pode abranger várias linhas:</a:t>
-            </a:r>
-            <a:endParaRPr sz="1250">
-              <a:solidFill>
-                <a:schemeClr val="dk1"/>
-              </a:solidFill>
-              <a:latin typeface="Verdana" panose="020B0604030504040204"/>
-              <a:ea typeface="Verdana" panose="020B0604030504040204"/>
-              <a:cs typeface="Verdana" panose="020B0604030504040204"/>
-              <a:sym typeface="Verdana" panose="020B0604030504040204"/>
-            </a:endParaRPr>
-          </a:p>
-        </p:txBody>
-      </p:sp>
-      <p:sp>
-        <p:nvSpPr>
-          <p:cNvPr id="245" name="Google Shape;245;p41"/>
-          <p:cNvSpPr txBox="1"/>
-          <p:nvPr/>
-        </p:nvSpPr>
-        <p:spPr>
-          <a:xfrm>
-            <a:off x="532125" y="2793525"/>
-            <a:ext cx="5963400" cy="2031900"/>
-          </a:xfrm>
-          <a:prstGeom prst="rect">
-            <a:avLst/>
-          </a:prstGeom>
-          <a:noFill/>
-          <a:ln>
-            <a:noFill/>
-          </a:ln>
-        </p:spPr>
-        <p:txBody>
-          <a:bodyPr spcFirstLastPara="1" wrap="square" lIns="91425" tIns="91425" rIns="91425" bIns="91425" anchor="t" anchorCtr="0">
-            <a:spAutoFit/>
-          </a:bodyPr>
-          <a:lstStyle/>
-          <a:p>
-            <a:pPr marL="0" lvl="0" indent="0" algn="l" rtl="0">
-              <a:spcBef>
-                <a:spcPts val="0"/>
-              </a:spcBef>
-              <a:spcAft>
-                <a:spcPts val="0"/>
-              </a:spcAft>
-              <a:buNone/>
-            </a:pPr>
-            <a:r>
-              <a:rPr lang="en-GB" sz="2000">
-                <a:solidFill>
-                  <a:srgbClr val="0000CD"/>
-                </a:solidFill>
-                <a:highlight>
-                  <a:srgbClr val="FFFFFF"/>
-                </a:highlight>
-                <a:latin typeface="Courier New" panose="02070309020205020404"/>
-                <a:ea typeface="Courier New" panose="02070309020205020404"/>
-                <a:cs typeface="Courier New" panose="02070309020205020404"/>
-                <a:sym typeface="Courier New" panose="02070309020205020404"/>
-              </a:rPr>
-              <a:t>const</a:t>
-            </a:r>
-            <a:r>
-              <a:rPr lang="en-GB" sz="2000">
-                <a:solidFill>
-                  <a:schemeClr val="dk1"/>
-                </a:solidFill>
-                <a:highlight>
-                  <a:srgbClr val="FFFFFF"/>
-                </a:highlight>
-                <a:latin typeface="Courier New" panose="02070309020205020404"/>
-                <a:ea typeface="Courier New" panose="02070309020205020404"/>
-                <a:cs typeface="Courier New" panose="02070309020205020404"/>
-                <a:sym typeface="Courier New" panose="02070309020205020404"/>
-              </a:rPr>
-              <a:t> pessoa = {</a:t>
-            </a:r>
-            <a:endParaRPr sz="2000">
-              <a:solidFill>
-                <a:schemeClr val="dk1"/>
-              </a:solidFill>
-              <a:highlight>
-                <a:srgbClr val="FFFFFF"/>
-              </a:highlight>
-              <a:latin typeface="Courier New" panose="02070309020205020404"/>
-              <a:ea typeface="Courier New" panose="02070309020205020404"/>
-              <a:cs typeface="Courier New" panose="02070309020205020404"/>
-              <a:sym typeface="Courier New" panose="02070309020205020404"/>
-            </a:endParaRPr>
-          </a:p>
-          <a:p>
-            <a:pPr marL="0" lvl="0" indent="0" algn="l" rtl="0">
-              <a:spcBef>
-                <a:spcPts val="0"/>
-              </a:spcBef>
-              <a:spcAft>
-                <a:spcPts val="0"/>
-              </a:spcAft>
-              <a:buNone/>
-            </a:pPr>
-            <a:r>
-              <a:rPr lang="en-GB" sz="2000">
-                <a:solidFill>
-                  <a:schemeClr val="dk1"/>
-                </a:solidFill>
-                <a:highlight>
-                  <a:srgbClr val="FFFFFF"/>
-                </a:highlight>
-                <a:latin typeface="Courier New" panose="02070309020205020404"/>
-                <a:ea typeface="Courier New" panose="02070309020205020404"/>
-                <a:cs typeface="Courier New" panose="02070309020205020404"/>
-                <a:sym typeface="Courier New" panose="02070309020205020404"/>
-              </a:rPr>
-              <a:t>  primeiroNome: </a:t>
-            </a:r>
-            <a:r>
-              <a:rPr lang="en-GB" sz="2000">
-                <a:solidFill>
-                  <a:srgbClr val="A52A2A"/>
-                </a:solidFill>
-                <a:highlight>
-                  <a:srgbClr val="FFFFFF"/>
-                </a:highlight>
-                <a:latin typeface="Courier New" panose="02070309020205020404"/>
-                <a:ea typeface="Courier New" panose="02070309020205020404"/>
-                <a:cs typeface="Courier New" panose="02070309020205020404"/>
-                <a:sym typeface="Courier New" panose="02070309020205020404"/>
-              </a:rPr>
-              <a:t>"Jean"</a:t>
-            </a:r>
-            <a:r>
-              <a:rPr lang="en-GB" sz="2000">
-                <a:solidFill>
-                  <a:schemeClr val="dk1"/>
-                </a:solidFill>
-                <a:highlight>
-                  <a:srgbClr val="FFFFFF"/>
-                </a:highlight>
-                <a:latin typeface="Courier New" panose="02070309020205020404"/>
-                <a:ea typeface="Courier New" panose="02070309020205020404"/>
-                <a:cs typeface="Courier New" panose="02070309020205020404"/>
-                <a:sym typeface="Courier New" panose="02070309020205020404"/>
-              </a:rPr>
-              <a:t>,</a:t>
-            </a:r>
-            <a:endParaRPr sz="2000">
-              <a:solidFill>
-                <a:schemeClr val="dk1"/>
-              </a:solidFill>
-              <a:highlight>
-                <a:srgbClr val="FFFFFF"/>
-              </a:highlight>
-              <a:latin typeface="Courier New" panose="02070309020205020404"/>
-              <a:ea typeface="Courier New" panose="02070309020205020404"/>
-              <a:cs typeface="Courier New" panose="02070309020205020404"/>
-              <a:sym typeface="Courier New" panose="02070309020205020404"/>
-            </a:endParaRPr>
-          </a:p>
-          <a:p>
-            <a:pPr marL="0" lvl="0" indent="0" algn="l" rtl="0">
-              <a:spcBef>
-                <a:spcPts val="0"/>
-              </a:spcBef>
-              <a:spcAft>
-                <a:spcPts val="0"/>
-              </a:spcAft>
-              <a:buNone/>
-            </a:pPr>
-            <a:r>
-              <a:rPr lang="en-GB" sz="2000">
-                <a:solidFill>
-                  <a:schemeClr val="dk1"/>
-                </a:solidFill>
-                <a:highlight>
-                  <a:srgbClr val="FFFFFF"/>
-                </a:highlight>
-                <a:latin typeface="Courier New" panose="02070309020205020404"/>
-                <a:ea typeface="Courier New" panose="02070309020205020404"/>
-                <a:cs typeface="Courier New" panose="02070309020205020404"/>
-                <a:sym typeface="Courier New" panose="02070309020205020404"/>
-              </a:rPr>
-              <a:t>  ultimoNome: </a:t>
-            </a:r>
-            <a:r>
-              <a:rPr lang="en-GB" sz="2000">
-                <a:solidFill>
-                  <a:srgbClr val="A52A2A"/>
-                </a:solidFill>
-                <a:highlight>
-                  <a:srgbClr val="FFFFFF"/>
-                </a:highlight>
-                <a:latin typeface="Courier New" panose="02070309020205020404"/>
-                <a:ea typeface="Courier New" panose="02070309020205020404"/>
-                <a:cs typeface="Courier New" panose="02070309020205020404"/>
-                <a:sym typeface="Courier New" panose="02070309020205020404"/>
-              </a:rPr>
-              <a:t>"Krebs"</a:t>
-            </a:r>
-            <a:r>
-              <a:rPr lang="en-GB" sz="2000">
-                <a:solidFill>
-                  <a:schemeClr val="dk1"/>
-                </a:solidFill>
-                <a:highlight>
-                  <a:srgbClr val="FFFFFF"/>
-                </a:highlight>
-                <a:latin typeface="Courier New" panose="02070309020205020404"/>
-                <a:ea typeface="Courier New" panose="02070309020205020404"/>
-                <a:cs typeface="Courier New" panose="02070309020205020404"/>
-                <a:sym typeface="Courier New" panose="02070309020205020404"/>
-              </a:rPr>
-              <a:t>,</a:t>
-            </a:r>
-            <a:endParaRPr sz="2000">
-              <a:solidFill>
-                <a:schemeClr val="dk1"/>
-              </a:solidFill>
-              <a:highlight>
-                <a:srgbClr val="FFFFFF"/>
-              </a:highlight>
-              <a:latin typeface="Courier New" panose="02070309020205020404"/>
-              <a:ea typeface="Courier New" panose="02070309020205020404"/>
-              <a:cs typeface="Courier New" panose="02070309020205020404"/>
-              <a:sym typeface="Courier New" panose="02070309020205020404"/>
-            </a:endParaRPr>
-          </a:p>
-          <a:p>
-            <a:pPr marL="0" lvl="0" indent="0" algn="l" rtl="0">
-              <a:spcBef>
-                <a:spcPts val="0"/>
-              </a:spcBef>
-              <a:spcAft>
-                <a:spcPts val="0"/>
-              </a:spcAft>
-              <a:buNone/>
-            </a:pPr>
-            <a:r>
-              <a:rPr lang="en-GB" sz="2000">
-                <a:solidFill>
-                  <a:schemeClr val="dk1"/>
-                </a:solidFill>
-                <a:highlight>
-                  <a:srgbClr val="FFFFFF"/>
-                </a:highlight>
-                <a:latin typeface="Courier New" panose="02070309020205020404"/>
-                <a:ea typeface="Courier New" panose="02070309020205020404"/>
-                <a:cs typeface="Courier New" panose="02070309020205020404"/>
-                <a:sym typeface="Courier New" panose="02070309020205020404"/>
-              </a:rPr>
-              <a:t>  idade: </a:t>
-            </a:r>
-            <a:r>
-              <a:rPr lang="en-GB" sz="2000">
-                <a:solidFill>
-                  <a:srgbClr val="FF0000"/>
-                </a:solidFill>
-                <a:highlight>
-                  <a:srgbClr val="FFFFFF"/>
-                </a:highlight>
-                <a:latin typeface="Courier New" panose="02070309020205020404"/>
-                <a:ea typeface="Courier New" panose="02070309020205020404"/>
-                <a:cs typeface="Courier New" panose="02070309020205020404"/>
-                <a:sym typeface="Courier New" panose="02070309020205020404"/>
-              </a:rPr>
-              <a:t>50</a:t>
-            </a:r>
-            <a:r>
-              <a:rPr lang="en-GB" sz="2000">
-                <a:solidFill>
-                  <a:schemeClr val="dk1"/>
-                </a:solidFill>
-                <a:highlight>
-                  <a:srgbClr val="FFFFFF"/>
-                </a:highlight>
-                <a:latin typeface="Courier New" panose="02070309020205020404"/>
-                <a:ea typeface="Courier New" panose="02070309020205020404"/>
-                <a:cs typeface="Courier New" panose="02070309020205020404"/>
-                <a:sym typeface="Courier New" panose="02070309020205020404"/>
-              </a:rPr>
-              <a:t>,</a:t>
-            </a:r>
-            <a:endParaRPr sz="2000">
-              <a:solidFill>
-                <a:schemeClr val="dk1"/>
-              </a:solidFill>
-              <a:highlight>
-                <a:srgbClr val="FFFFFF"/>
-              </a:highlight>
-              <a:latin typeface="Courier New" panose="02070309020205020404"/>
-              <a:ea typeface="Courier New" panose="02070309020205020404"/>
-              <a:cs typeface="Courier New" panose="02070309020205020404"/>
-              <a:sym typeface="Courier New" panose="02070309020205020404"/>
-            </a:endParaRPr>
-          </a:p>
-          <a:p>
-            <a:pPr marL="0" lvl="0" indent="0" algn="l" rtl="0">
-              <a:spcBef>
-                <a:spcPts val="0"/>
-              </a:spcBef>
-              <a:spcAft>
-                <a:spcPts val="0"/>
-              </a:spcAft>
-              <a:buNone/>
-            </a:pPr>
-            <a:r>
-              <a:rPr lang="en-GB" sz="2000">
-                <a:solidFill>
-                  <a:schemeClr val="dk1"/>
-                </a:solidFill>
-                <a:highlight>
-                  <a:srgbClr val="FFFFFF"/>
-                </a:highlight>
-                <a:latin typeface="Courier New" panose="02070309020205020404"/>
-                <a:ea typeface="Courier New" panose="02070309020205020404"/>
-                <a:cs typeface="Courier New" panose="02070309020205020404"/>
-                <a:sym typeface="Courier New" panose="02070309020205020404"/>
-              </a:rPr>
-              <a:t>  corDosOlhos: </a:t>
-            </a:r>
-            <a:r>
-              <a:rPr lang="en-GB" sz="2000">
-                <a:solidFill>
-                  <a:srgbClr val="A52A2A"/>
-                </a:solidFill>
-                <a:highlight>
-                  <a:srgbClr val="FFFFFF"/>
-                </a:highlight>
-                <a:latin typeface="Courier New" panose="02070309020205020404"/>
-                <a:ea typeface="Courier New" panose="02070309020205020404"/>
-                <a:cs typeface="Courier New" panose="02070309020205020404"/>
-                <a:sym typeface="Courier New" panose="02070309020205020404"/>
-              </a:rPr>
-              <a:t>"Azul"</a:t>
-            </a:r>
-            <a:endParaRPr sz="2000">
-              <a:solidFill>
-                <a:srgbClr val="A52A2A"/>
-              </a:solidFill>
-              <a:highlight>
-                <a:srgbClr val="FFFFFF"/>
-              </a:highlight>
-              <a:latin typeface="Courier New" panose="02070309020205020404"/>
-              <a:ea typeface="Courier New" panose="02070309020205020404"/>
-              <a:cs typeface="Courier New" panose="02070309020205020404"/>
-              <a:sym typeface="Courier New" panose="02070309020205020404"/>
-            </a:endParaRPr>
-          </a:p>
-          <a:p>
-            <a:pPr marL="0" lvl="0" indent="0" algn="l" rtl="0">
-              <a:spcBef>
-                <a:spcPts val="0"/>
-              </a:spcBef>
-              <a:spcAft>
-                <a:spcPts val="0"/>
-              </a:spcAft>
-              <a:buNone/>
-            </a:pPr>
-            <a:r>
-              <a:rPr lang="en-GB" sz="2000">
-                <a:solidFill>
-                  <a:schemeClr val="dk1"/>
-                </a:solidFill>
-                <a:highlight>
-                  <a:srgbClr val="FFFFFF"/>
-                </a:highlight>
-                <a:latin typeface="Courier New" panose="02070309020205020404"/>
-                <a:ea typeface="Courier New" panose="02070309020205020404"/>
-                <a:cs typeface="Courier New" panose="02070309020205020404"/>
-                <a:sym typeface="Courier New" panose="02070309020205020404"/>
-              </a:rPr>
-              <a:t>};</a:t>
-            </a:r>
-            <a:endParaRPr sz="2000"/>
-          </a:p>
-        </p:txBody>
-      </p:sp>
-    </p:spTree>
-  </p:cSld>
-  <p:clrMapOvr>
-    <a:masterClrMapping/>
-  </p:clrMapOvr>
-</p:sld>
-</file>
-
-<file path=ppt/slides/slide31.xml><?xml version="1.0" encoding="utf-8"?>
-<p:sld xmlns:a="http://schemas.openxmlformats.org/drawingml/2006/main" xmlns:r="http://schemas.openxmlformats.org/officeDocument/2006/relationships" xmlns:p="http://schemas.openxmlformats.org/presentationml/2006/main">
-  <p:cSld>
-    <p:spTree>
-      <p:nvGrpSpPr>
-        <p:cNvPr id="249" name="Shape 249"/>
-        <p:cNvGrpSpPr/>
-        <p:nvPr/>
-      </p:nvGrpSpPr>
-      <p:grpSpPr>
-        <a:xfrm>
-          <a:off x="0" y="0"/>
-          <a:ext cx="0" cy="0"/>
-          <a:chOff x="0" y="0"/>
-          <a:chExt cx="0" cy="0"/>
-        </a:xfrm>
-      </p:grpSpPr>
-      <p:sp>
-        <p:nvSpPr>
-          <p:cNvPr id="250" name="Google Shape;250;p42"/>
-          <p:cNvSpPr txBox="1"/>
-          <p:nvPr>
-            <p:ph type="title"/>
-          </p:nvPr>
-        </p:nvSpPr>
-        <p:spPr>
-          <a:xfrm>
-            <a:off x="311700" y="445025"/>
-            <a:ext cx="8520600" cy="572700"/>
-          </a:xfrm>
-          <a:prstGeom prst="rect">
-            <a:avLst/>
-          </a:prstGeom>
-        </p:spPr>
-        <p:txBody>
-          <a:bodyPr spcFirstLastPara="1" wrap="square" lIns="91425" tIns="91425" rIns="91425" bIns="91425" anchor="t" anchorCtr="0">
-            <a:normAutofit fontScale="90000"/>
-          </a:bodyPr>
-          <a:lstStyle/>
-          <a:p>
-            <a:pPr marL="0" lvl="0" indent="0" algn="l" rtl="0">
-              <a:lnSpc>
-                <a:spcPct val="115000"/>
-              </a:lnSpc>
-              <a:spcBef>
-                <a:spcPts val="800"/>
-              </a:spcBef>
-              <a:spcAft>
-                <a:spcPts val="0"/>
-              </a:spcAft>
-              <a:buNone/>
-            </a:pPr>
-            <a:r>
-              <a:rPr lang="en-GB" sz="2400" b="1">
-                <a:highlight>
-                  <a:srgbClr val="FFFFFF"/>
-                </a:highlight>
-              </a:rPr>
-              <a:t>Outra forma de inicializar um objeto</a:t>
-            </a:r>
-            <a:endParaRPr sz="2400" b="1">
-              <a:highlight>
-                <a:srgbClr val="FFFFFF"/>
-              </a:highlight>
-            </a:endParaRPr>
-          </a:p>
-          <a:p>
-            <a:pPr marL="0" lvl="0" indent="0" algn="l" rtl="0">
-              <a:lnSpc>
-                <a:spcPct val="115000"/>
-              </a:lnSpc>
-              <a:spcBef>
-                <a:spcPts val="800"/>
-              </a:spcBef>
-              <a:spcAft>
-                <a:spcPts val="0"/>
-              </a:spcAft>
-              <a:buNone/>
-            </a:pPr>
-            <a:endParaRPr sz="1100" b="1"/>
-          </a:p>
-          <a:p>
-            <a:pPr marL="0" lvl="0" indent="0" algn="l" rtl="0">
-              <a:lnSpc>
-                <a:spcPct val="115000"/>
-              </a:lnSpc>
-              <a:spcBef>
-                <a:spcPts val="800"/>
-              </a:spcBef>
-              <a:spcAft>
-                <a:spcPts val="800"/>
-              </a:spcAft>
-              <a:buNone/>
-            </a:pPr>
-            <a:endParaRPr sz="2400" b="1">
-              <a:highlight>
-                <a:srgbClr val="FFFFFF"/>
-              </a:highlight>
-            </a:endParaRPr>
-          </a:p>
-        </p:txBody>
-      </p:sp>
-      <p:sp>
-        <p:nvSpPr>
-          <p:cNvPr id="251" name="Google Shape;251;p42"/>
-          <p:cNvSpPr txBox="1"/>
-          <p:nvPr/>
-        </p:nvSpPr>
-        <p:spPr>
-          <a:xfrm>
-            <a:off x="429275" y="1282650"/>
-            <a:ext cx="5963400" cy="2316600"/>
-          </a:xfrm>
-          <a:prstGeom prst="rect">
-            <a:avLst/>
-          </a:prstGeom>
-          <a:noFill/>
-          <a:ln>
-            <a:noFill/>
-          </a:ln>
-        </p:spPr>
-        <p:txBody>
-          <a:bodyPr spcFirstLastPara="1" wrap="square" lIns="91425" tIns="91425" rIns="91425" bIns="91425" anchor="t" anchorCtr="0">
-            <a:spAutoFit/>
-          </a:bodyPr>
-          <a:lstStyle/>
-          <a:p>
-            <a:pPr marL="0" lvl="0" indent="0" algn="l" rtl="0">
-              <a:spcBef>
-                <a:spcPts val="0"/>
-              </a:spcBef>
-              <a:spcAft>
-                <a:spcPts val="0"/>
-              </a:spcAft>
-              <a:buClr>
-                <a:schemeClr val="dk1"/>
-              </a:buClr>
-              <a:buSzPts val="1100"/>
-              <a:buFont typeface="Arial" panose="020B0604020202020204"/>
-              <a:buNone/>
-            </a:pPr>
-            <a:r>
-              <a:rPr lang="en-GB" sz="1950">
-                <a:solidFill>
-                  <a:srgbClr val="0000CD"/>
-                </a:solidFill>
-                <a:highlight>
-                  <a:srgbClr val="FFFFFF"/>
-                </a:highlight>
-                <a:latin typeface="Courier New" panose="02070309020205020404"/>
-                <a:ea typeface="Courier New" panose="02070309020205020404"/>
-                <a:cs typeface="Courier New" panose="02070309020205020404"/>
-                <a:sym typeface="Courier New" panose="02070309020205020404"/>
-              </a:rPr>
-              <a:t>const</a:t>
-            </a:r>
-            <a:r>
-              <a:rPr lang="en-GB" sz="1950">
-                <a:solidFill>
-                  <a:schemeClr val="dk1"/>
-                </a:solidFill>
-                <a:highlight>
-                  <a:srgbClr val="FFFFFF"/>
-                </a:highlight>
-                <a:latin typeface="Courier New" panose="02070309020205020404"/>
-                <a:ea typeface="Courier New" panose="02070309020205020404"/>
-                <a:cs typeface="Courier New" panose="02070309020205020404"/>
-                <a:sym typeface="Courier New" panose="02070309020205020404"/>
-              </a:rPr>
-              <a:t> </a:t>
-            </a:r>
-            <a:r>
-              <a:rPr lang="en-GB" sz="2000">
-                <a:solidFill>
-                  <a:schemeClr val="dk1"/>
-                </a:solidFill>
-                <a:highlight>
-                  <a:srgbClr val="FFFFFF"/>
-                </a:highlight>
-                <a:latin typeface="Courier New" panose="02070309020205020404"/>
-                <a:ea typeface="Courier New" panose="02070309020205020404"/>
-                <a:cs typeface="Courier New" panose="02070309020205020404"/>
-                <a:sym typeface="Courier New" panose="02070309020205020404"/>
-              </a:rPr>
-              <a:t>pessoa </a:t>
-            </a:r>
-            <a:r>
-              <a:rPr lang="en-GB" sz="1950">
-                <a:solidFill>
-                  <a:schemeClr val="dk1"/>
-                </a:solidFill>
-                <a:highlight>
-                  <a:srgbClr val="FFFFFF"/>
-                </a:highlight>
-                <a:latin typeface="Courier New" panose="02070309020205020404"/>
-                <a:ea typeface="Courier New" panose="02070309020205020404"/>
-                <a:cs typeface="Courier New" panose="02070309020205020404"/>
-                <a:sym typeface="Courier New" panose="02070309020205020404"/>
-              </a:rPr>
-              <a:t>= {};</a:t>
-            </a:r>
-            <a:endParaRPr sz="1950">
-              <a:solidFill>
-                <a:schemeClr val="dk1"/>
-              </a:solidFill>
-              <a:highlight>
-                <a:srgbClr val="FFFFFF"/>
-              </a:highlight>
-              <a:latin typeface="Courier New" panose="02070309020205020404"/>
-              <a:ea typeface="Courier New" panose="02070309020205020404"/>
-              <a:cs typeface="Courier New" panose="02070309020205020404"/>
-              <a:sym typeface="Courier New" panose="02070309020205020404"/>
-            </a:endParaRPr>
-          </a:p>
-          <a:p>
-            <a:pPr marL="0" lvl="0" indent="0" algn="l" rtl="0">
-              <a:spcBef>
-                <a:spcPts val="0"/>
-              </a:spcBef>
-              <a:spcAft>
-                <a:spcPts val="0"/>
-              </a:spcAft>
-              <a:buClr>
-                <a:schemeClr val="dk1"/>
-              </a:buClr>
-              <a:buSzPts val="1100"/>
-              <a:buFont typeface="Arial" panose="020B0604020202020204"/>
-              <a:buNone/>
-            </a:pPr>
-            <a:endParaRPr sz="1900">
-              <a:solidFill>
-                <a:schemeClr val="dk1"/>
-              </a:solidFill>
-            </a:endParaRPr>
-          </a:p>
-          <a:p>
-            <a:pPr marL="0" lvl="0" indent="0" algn="l" rtl="0">
-              <a:spcBef>
-                <a:spcPts val="0"/>
-              </a:spcBef>
-              <a:spcAft>
-                <a:spcPts val="0"/>
-              </a:spcAft>
-              <a:buClr>
-                <a:schemeClr val="dk1"/>
-              </a:buClr>
-              <a:buSzPts val="1100"/>
-              <a:buFont typeface="Arial" panose="020B0604020202020204"/>
-              <a:buNone/>
-            </a:pPr>
-            <a:r>
-              <a:rPr lang="en-GB" sz="1950">
-                <a:solidFill>
-                  <a:srgbClr val="008000"/>
-                </a:solidFill>
-                <a:highlight>
-                  <a:srgbClr val="FFFFFF"/>
-                </a:highlight>
-                <a:latin typeface="Courier New" panose="02070309020205020404"/>
-                <a:ea typeface="Courier New" panose="02070309020205020404"/>
-                <a:cs typeface="Courier New" panose="02070309020205020404"/>
-                <a:sym typeface="Courier New" panose="02070309020205020404"/>
-              </a:rPr>
-              <a:t>// Add Properties</a:t>
-            </a:r>
-            <a:endParaRPr sz="1950">
-              <a:solidFill>
-                <a:srgbClr val="008000"/>
-              </a:solidFill>
-              <a:highlight>
-                <a:srgbClr val="FFFFFF"/>
-              </a:highlight>
-              <a:latin typeface="Courier New" panose="02070309020205020404"/>
-              <a:ea typeface="Courier New" panose="02070309020205020404"/>
-              <a:cs typeface="Courier New" panose="02070309020205020404"/>
-              <a:sym typeface="Courier New" panose="02070309020205020404"/>
-            </a:endParaRPr>
-          </a:p>
-          <a:p>
-            <a:pPr marL="0" lvl="0" indent="0" algn="l" rtl="0">
-              <a:spcBef>
-                <a:spcPts val="0"/>
-              </a:spcBef>
-              <a:spcAft>
-                <a:spcPts val="0"/>
-              </a:spcAft>
-              <a:buClr>
-                <a:schemeClr val="dk1"/>
-              </a:buClr>
-              <a:buSzPts val="1100"/>
-              <a:buFont typeface="Arial" panose="020B0604020202020204"/>
-              <a:buNone/>
-            </a:pPr>
-            <a:r>
-              <a:rPr lang="en-GB" sz="2000">
-                <a:solidFill>
-                  <a:schemeClr val="dk1"/>
-                </a:solidFill>
-                <a:highlight>
-                  <a:srgbClr val="FFFFFF"/>
-                </a:highlight>
-                <a:latin typeface="Courier New" panose="02070309020205020404"/>
-                <a:ea typeface="Courier New" panose="02070309020205020404"/>
-                <a:cs typeface="Courier New" panose="02070309020205020404"/>
-                <a:sym typeface="Courier New" panose="02070309020205020404"/>
-              </a:rPr>
-              <a:t>pessoa</a:t>
-            </a:r>
-            <a:r>
-              <a:rPr lang="en-GB" sz="1950">
-                <a:solidFill>
-                  <a:schemeClr val="dk1"/>
-                </a:solidFill>
-                <a:highlight>
-                  <a:srgbClr val="FFFFFF"/>
-                </a:highlight>
-                <a:latin typeface="Courier New" panose="02070309020205020404"/>
-                <a:ea typeface="Courier New" panose="02070309020205020404"/>
-                <a:cs typeface="Courier New" panose="02070309020205020404"/>
-                <a:sym typeface="Courier New" panose="02070309020205020404"/>
-              </a:rPr>
-              <a:t>.</a:t>
-            </a:r>
-            <a:r>
-              <a:rPr lang="en-GB" sz="2000">
-                <a:solidFill>
-                  <a:schemeClr val="dk1"/>
-                </a:solidFill>
-                <a:highlight>
-                  <a:srgbClr val="FFFFFF"/>
-                </a:highlight>
-                <a:latin typeface="Courier New" panose="02070309020205020404"/>
-                <a:ea typeface="Courier New" panose="02070309020205020404"/>
-                <a:cs typeface="Courier New" panose="02070309020205020404"/>
-                <a:sym typeface="Courier New" panose="02070309020205020404"/>
-              </a:rPr>
-              <a:t>primeiroNome</a:t>
-            </a:r>
-            <a:r>
-              <a:rPr lang="en-GB" sz="1950">
-                <a:solidFill>
-                  <a:schemeClr val="dk1"/>
-                </a:solidFill>
-                <a:highlight>
-                  <a:srgbClr val="FFFFFF"/>
-                </a:highlight>
-                <a:latin typeface="Courier New" panose="02070309020205020404"/>
-                <a:ea typeface="Courier New" panose="02070309020205020404"/>
-                <a:cs typeface="Courier New" panose="02070309020205020404"/>
-                <a:sym typeface="Courier New" panose="02070309020205020404"/>
-              </a:rPr>
-              <a:t> = </a:t>
-            </a:r>
-            <a:r>
-              <a:rPr lang="en-GB" sz="1950">
-                <a:solidFill>
-                  <a:srgbClr val="A52A2A"/>
-                </a:solidFill>
-                <a:highlight>
-                  <a:srgbClr val="FFFFFF"/>
-                </a:highlight>
-                <a:latin typeface="Courier New" panose="02070309020205020404"/>
-                <a:ea typeface="Courier New" panose="02070309020205020404"/>
-                <a:cs typeface="Courier New" panose="02070309020205020404"/>
-                <a:sym typeface="Courier New" panose="02070309020205020404"/>
-              </a:rPr>
-              <a:t>"Jean"</a:t>
-            </a:r>
-            <a:r>
-              <a:rPr lang="en-GB" sz="1950">
-                <a:solidFill>
-                  <a:schemeClr val="dk1"/>
-                </a:solidFill>
-                <a:highlight>
-                  <a:srgbClr val="FFFFFF"/>
-                </a:highlight>
-                <a:latin typeface="Courier New" panose="02070309020205020404"/>
-                <a:ea typeface="Courier New" panose="02070309020205020404"/>
-                <a:cs typeface="Courier New" panose="02070309020205020404"/>
-                <a:sym typeface="Courier New" panose="02070309020205020404"/>
-              </a:rPr>
-              <a:t>;</a:t>
-            </a:r>
-            <a:endParaRPr sz="1950">
-              <a:solidFill>
-                <a:schemeClr val="dk1"/>
-              </a:solidFill>
-              <a:highlight>
-                <a:srgbClr val="FFFFFF"/>
-              </a:highlight>
-              <a:latin typeface="Courier New" panose="02070309020205020404"/>
-              <a:ea typeface="Courier New" panose="02070309020205020404"/>
-              <a:cs typeface="Courier New" panose="02070309020205020404"/>
-              <a:sym typeface="Courier New" panose="02070309020205020404"/>
-            </a:endParaRPr>
-          </a:p>
-          <a:p>
-            <a:pPr marL="0" lvl="0" indent="0" algn="l" rtl="0">
-              <a:spcBef>
-                <a:spcPts val="0"/>
-              </a:spcBef>
-              <a:spcAft>
-                <a:spcPts val="0"/>
-              </a:spcAft>
-              <a:buClr>
-                <a:schemeClr val="dk1"/>
-              </a:buClr>
-              <a:buSzPts val="1100"/>
-              <a:buFont typeface="Arial" panose="020B0604020202020204"/>
-              <a:buNone/>
-            </a:pPr>
-            <a:r>
-              <a:rPr lang="en-GB" sz="2000">
-                <a:solidFill>
-                  <a:schemeClr val="dk1"/>
-                </a:solidFill>
-                <a:highlight>
-                  <a:srgbClr val="FFFFFF"/>
-                </a:highlight>
-                <a:latin typeface="Courier New" panose="02070309020205020404"/>
-                <a:ea typeface="Courier New" panose="02070309020205020404"/>
-                <a:cs typeface="Courier New" panose="02070309020205020404"/>
-                <a:sym typeface="Courier New" panose="02070309020205020404"/>
-              </a:rPr>
-              <a:t>pessoa</a:t>
-            </a:r>
-            <a:r>
-              <a:rPr lang="en-GB" sz="1950">
-                <a:solidFill>
-                  <a:schemeClr val="dk1"/>
-                </a:solidFill>
-                <a:highlight>
-                  <a:srgbClr val="FFFFFF"/>
-                </a:highlight>
-                <a:latin typeface="Courier New" panose="02070309020205020404"/>
-                <a:ea typeface="Courier New" panose="02070309020205020404"/>
-                <a:cs typeface="Courier New" panose="02070309020205020404"/>
-                <a:sym typeface="Courier New" panose="02070309020205020404"/>
-              </a:rPr>
-              <a:t>.</a:t>
-            </a:r>
-            <a:r>
-              <a:rPr lang="en-GB" sz="2000">
-                <a:solidFill>
-                  <a:schemeClr val="dk1"/>
-                </a:solidFill>
-                <a:highlight>
-                  <a:srgbClr val="FFFFFF"/>
-                </a:highlight>
-                <a:latin typeface="Courier New" panose="02070309020205020404"/>
-                <a:ea typeface="Courier New" panose="02070309020205020404"/>
-                <a:cs typeface="Courier New" panose="02070309020205020404"/>
-                <a:sym typeface="Courier New" panose="02070309020205020404"/>
-              </a:rPr>
-              <a:t>ultimoNome</a:t>
-            </a:r>
-            <a:r>
-              <a:rPr lang="en-GB" sz="1950">
-                <a:solidFill>
-                  <a:schemeClr val="dk1"/>
-                </a:solidFill>
-                <a:highlight>
-                  <a:srgbClr val="FFFFFF"/>
-                </a:highlight>
-                <a:latin typeface="Courier New" panose="02070309020205020404"/>
-                <a:ea typeface="Courier New" panose="02070309020205020404"/>
-                <a:cs typeface="Courier New" panose="02070309020205020404"/>
-                <a:sym typeface="Courier New" panose="02070309020205020404"/>
-              </a:rPr>
-              <a:t> = </a:t>
-            </a:r>
-            <a:r>
-              <a:rPr lang="en-GB" sz="1950">
-                <a:solidFill>
-                  <a:srgbClr val="A52A2A"/>
-                </a:solidFill>
-                <a:highlight>
-                  <a:srgbClr val="FFFFFF"/>
-                </a:highlight>
-                <a:latin typeface="Courier New" panose="02070309020205020404"/>
-                <a:ea typeface="Courier New" panose="02070309020205020404"/>
-                <a:cs typeface="Courier New" panose="02070309020205020404"/>
-                <a:sym typeface="Courier New" panose="02070309020205020404"/>
-              </a:rPr>
-              <a:t>"Krebs"</a:t>
-            </a:r>
-            <a:r>
-              <a:rPr lang="en-GB" sz="1950">
-                <a:solidFill>
-                  <a:schemeClr val="dk1"/>
-                </a:solidFill>
-                <a:highlight>
-                  <a:srgbClr val="FFFFFF"/>
-                </a:highlight>
-                <a:latin typeface="Courier New" panose="02070309020205020404"/>
-                <a:ea typeface="Courier New" panose="02070309020205020404"/>
-                <a:cs typeface="Courier New" panose="02070309020205020404"/>
-                <a:sym typeface="Courier New" panose="02070309020205020404"/>
-              </a:rPr>
-              <a:t>;</a:t>
-            </a:r>
-            <a:endParaRPr sz="1950">
-              <a:solidFill>
-                <a:schemeClr val="dk1"/>
-              </a:solidFill>
-              <a:highlight>
-                <a:srgbClr val="FFFFFF"/>
-              </a:highlight>
-              <a:latin typeface="Courier New" panose="02070309020205020404"/>
-              <a:ea typeface="Courier New" panose="02070309020205020404"/>
-              <a:cs typeface="Courier New" panose="02070309020205020404"/>
-              <a:sym typeface="Courier New" panose="02070309020205020404"/>
-            </a:endParaRPr>
-          </a:p>
-          <a:p>
-            <a:pPr marL="0" lvl="0" indent="0" algn="l" rtl="0">
-              <a:spcBef>
-                <a:spcPts val="0"/>
-              </a:spcBef>
-              <a:spcAft>
-                <a:spcPts val="0"/>
-              </a:spcAft>
-              <a:buClr>
-                <a:schemeClr val="dk1"/>
-              </a:buClr>
-              <a:buSzPts val="1100"/>
-              <a:buFont typeface="Arial" panose="020B0604020202020204"/>
-              <a:buNone/>
-            </a:pPr>
-            <a:r>
-              <a:rPr lang="en-GB" sz="2000">
-                <a:solidFill>
-                  <a:schemeClr val="dk1"/>
-                </a:solidFill>
-                <a:highlight>
-                  <a:srgbClr val="FFFFFF"/>
-                </a:highlight>
-                <a:latin typeface="Courier New" panose="02070309020205020404"/>
-                <a:ea typeface="Courier New" panose="02070309020205020404"/>
-                <a:cs typeface="Courier New" panose="02070309020205020404"/>
-                <a:sym typeface="Courier New" panose="02070309020205020404"/>
-              </a:rPr>
-              <a:t>pessoa</a:t>
-            </a:r>
-            <a:r>
-              <a:rPr lang="en-GB" sz="1950">
-                <a:solidFill>
-                  <a:schemeClr val="dk1"/>
-                </a:solidFill>
-                <a:highlight>
-                  <a:srgbClr val="FFFFFF"/>
-                </a:highlight>
-                <a:latin typeface="Courier New" panose="02070309020205020404"/>
-                <a:ea typeface="Courier New" panose="02070309020205020404"/>
-                <a:cs typeface="Courier New" panose="02070309020205020404"/>
-                <a:sym typeface="Courier New" panose="02070309020205020404"/>
-              </a:rPr>
-              <a:t>.</a:t>
-            </a:r>
-            <a:r>
-              <a:rPr lang="en-GB" sz="2000">
-                <a:solidFill>
-                  <a:schemeClr val="dk1"/>
-                </a:solidFill>
-                <a:highlight>
-                  <a:srgbClr val="FFFFFF"/>
-                </a:highlight>
-                <a:latin typeface="Courier New" panose="02070309020205020404"/>
-                <a:ea typeface="Courier New" panose="02070309020205020404"/>
-                <a:cs typeface="Courier New" panose="02070309020205020404"/>
-                <a:sym typeface="Courier New" panose="02070309020205020404"/>
-              </a:rPr>
-              <a:t>idade</a:t>
-            </a:r>
-            <a:r>
-              <a:rPr lang="en-GB" sz="1950">
-                <a:solidFill>
-                  <a:schemeClr val="dk1"/>
-                </a:solidFill>
-                <a:highlight>
-                  <a:srgbClr val="FFFFFF"/>
-                </a:highlight>
-                <a:latin typeface="Courier New" panose="02070309020205020404"/>
-                <a:ea typeface="Courier New" panose="02070309020205020404"/>
-                <a:cs typeface="Courier New" panose="02070309020205020404"/>
-                <a:sym typeface="Courier New" panose="02070309020205020404"/>
-              </a:rPr>
-              <a:t> = </a:t>
-            </a:r>
-            <a:r>
-              <a:rPr lang="en-GB" sz="1950">
-                <a:solidFill>
-                  <a:srgbClr val="FF0000"/>
-                </a:solidFill>
-                <a:highlight>
-                  <a:srgbClr val="FFFFFF"/>
-                </a:highlight>
-                <a:latin typeface="Courier New" panose="02070309020205020404"/>
-                <a:ea typeface="Courier New" panose="02070309020205020404"/>
-                <a:cs typeface="Courier New" panose="02070309020205020404"/>
-                <a:sym typeface="Courier New" panose="02070309020205020404"/>
-              </a:rPr>
-              <a:t>50</a:t>
-            </a:r>
-            <a:r>
-              <a:rPr lang="en-GB" sz="1950">
-                <a:solidFill>
-                  <a:schemeClr val="dk1"/>
-                </a:solidFill>
-                <a:highlight>
-                  <a:srgbClr val="FFFFFF"/>
-                </a:highlight>
-                <a:latin typeface="Courier New" panose="02070309020205020404"/>
-                <a:ea typeface="Courier New" panose="02070309020205020404"/>
-                <a:cs typeface="Courier New" panose="02070309020205020404"/>
-                <a:sym typeface="Courier New" panose="02070309020205020404"/>
-              </a:rPr>
-              <a:t>;</a:t>
-            </a:r>
-            <a:endParaRPr sz="1950">
-              <a:solidFill>
-                <a:schemeClr val="dk1"/>
-              </a:solidFill>
-              <a:highlight>
-                <a:srgbClr val="FFFFFF"/>
-              </a:highlight>
-              <a:latin typeface="Courier New" panose="02070309020205020404"/>
-              <a:ea typeface="Courier New" panose="02070309020205020404"/>
-              <a:cs typeface="Courier New" panose="02070309020205020404"/>
-              <a:sym typeface="Courier New" panose="02070309020205020404"/>
-            </a:endParaRPr>
-          </a:p>
-          <a:p>
-            <a:pPr marL="0" lvl="0" indent="0" algn="l" rtl="0">
-              <a:spcBef>
-                <a:spcPts val="0"/>
-              </a:spcBef>
-              <a:spcAft>
-                <a:spcPts val="0"/>
-              </a:spcAft>
-              <a:buNone/>
-            </a:pPr>
-            <a:r>
-              <a:rPr lang="en-GB" sz="2000">
-                <a:solidFill>
-                  <a:schemeClr val="dk1"/>
-                </a:solidFill>
-                <a:highlight>
-                  <a:srgbClr val="FFFFFF"/>
-                </a:highlight>
-                <a:latin typeface="Courier New" panose="02070309020205020404"/>
-                <a:ea typeface="Courier New" panose="02070309020205020404"/>
-                <a:cs typeface="Courier New" panose="02070309020205020404"/>
-                <a:sym typeface="Courier New" panose="02070309020205020404"/>
-              </a:rPr>
-              <a:t>pessoa</a:t>
-            </a:r>
-            <a:r>
-              <a:rPr lang="en-GB" sz="1950">
-                <a:solidFill>
-                  <a:schemeClr val="dk1"/>
-                </a:solidFill>
-                <a:highlight>
-                  <a:srgbClr val="FFFFFF"/>
-                </a:highlight>
-                <a:latin typeface="Courier New" panose="02070309020205020404"/>
-                <a:ea typeface="Courier New" panose="02070309020205020404"/>
-                <a:cs typeface="Courier New" panose="02070309020205020404"/>
-                <a:sym typeface="Courier New" panose="02070309020205020404"/>
-              </a:rPr>
-              <a:t>.</a:t>
-            </a:r>
-            <a:r>
-              <a:rPr lang="en-GB" sz="2000">
-                <a:solidFill>
-                  <a:schemeClr val="dk1"/>
-                </a:solidFill>
-                <a:highlight>
-                  <a:srgbClr val="FFFFFF"/>
-                </a:highlight>
-                <a:latin typeface="Courier New" panose="02070309020205020404"/>
-                <a:ea typeface="Courier New" panose="02070309020205020404"/>
-                <a:cs typeface="Courier New" panose="02070309020205020404"/>
-                <a:sym typeface="Courier New" panose="02070309020205020404"/>
-              </a:rPr>
-              <a:t>corDosOlhos</a:t>
-            </a:r>
-            <a:r>
-              <a:rPr lang="en-GB" sz="1950">
-                <a:solidFill>
-                  <a:schemeClr val="dk1"/>
-                </a:solidFill>
-                <a:highlight>
-                  <a:srgbClr val="FFFFFF"/>
-                </a:highlight>
-                <a:latin typeface="Courier New" panose="02070309020205020404"/>
-                <a:ea typeface="Courier New" panose="02070309020205020404"/>
-                <a:cs typeface="Courier New" panose="02070309020205020404"/>
-                <a:sym typeface="Courier New" panose="02070309020205020404"/>
-              </a:rPr>
-              <a:t> = </a:t>
-            </a:r>
-            <a:r>
-              <a:rPr lang="en-GB" sz="1950">
-                <a:solidFill>
-                  <a:srgbClr val="A52A2A"/>
-                </a:solidFill>
-                <a:highlight>
-                  <a:srgbClr val="FFFFFF"/>
-                </a:highlight>
-                <a:latin typeface="Courier New" panose="02070309020205020404"/>
-                <a:ea typeface="Courier New" panose="02070309020205020404"/>
-                <a:cs typeface="Courier New" panose="02070309020205020404"/>
-                <a:sym typeface="Courier New" panose="02070309020205020404"/>
-              </a:rPr>
-              <a:t>"Azul"</a:t>
-            </a:r>
-            <a:r>
-              <a:rPr lang="en-GB" sz="1950">
-                <a:solidFill>
-                  <a:schemeClr val="dk1"/>
-                </a:solidFill>
-                <a:highlight>
-                  <a:srgbClr val="FFFFFF"/>
-                </a:highlight>
-                <a:latin typeface="Courier New" panose="02070309020205020404"/>
-                <a:ea typeface="Courier New" panose="02070309020205020404"/>
-                <a:cs typeface="Courier New" panose="02070309020205020404"/>
-                <a:sym typeface="Courier New" panose="02070309020205020404"/>
-              </a:rPr>
-              <a:t>;</a:t>
-            </a:r>
-            <a:endParaRPr sz="2800">
-              <a:solidFill>
-                <a:srgbClr val="0000CD"/>
-              </a:solidFill>
-              <a:highlight>
-                <a:srgbClr val="FFFFFF"/>
-              </a:highlight>
-              <a:latin typeface="Courier New" panose="02070309020205020404"/>
-              <a:ea typeface="Courier New" panose="02070309020205020404"/>
-              <a:cs typeface="Courier New" panose="02070309020205020404"/>
-              <a:sym typeface="Courier New" panose="02070309020205020404"/>
-            </a:endParaRPr>
-          </a:p>
-        </p:txBody>
-      </p:sp>
-    </p:spTree>
-  </p:cSld>
-  <p:clrMapOvr>
-    <a:masterClrMapping/>
-  </p:clrMapOvr>
-</p:sld>
-</file>
-
-<file path=ppt/slides/slide32.xml><?xml version="1.0" encoding="utf-8"?>
-<p:sld xmlns:a="http://schemas.openxmlformats.org/drawingml/2006/main" xmlns:r="http://schemas.openxmlformats.org/officeDocument/2006/relationships" xmlns:p="http://schemas.openxmlformats.org/presentationml/2006/main">
-  <p:cSld>
-    <p:spTree>
-      <p:nvGrpSpPr>
-        <p:cNvPr id="255" name="Shape 255"/>
-        <p:cNvGrpSpPr/>
-        <p:nvPr/>
-      </p:nvGrpSpPr>
-      <p:grpSpPr>
-        <a:xfrm>
-          <a:off x="0" y="0"/>
-          <a:ext cx="0" cy="0"/>
-          <a:chOff x="0" y="0"/>
-          <a:chExt cx="0" cy="0"/>
-        </a:xfrm>
-      </p:grpSpPr>
-      <p:sp>
-        <p:nvSpPr>
-          <p:cNvPr id="256" name="Google Shape;256;p43"/>
-          <p:cNvSpPr txBox="1"/>
-          <p:nvPr>
-            <p:ph type="title"/>
-          </p:nvPr>
-        </p:nvSpPr>
-        <p:spPr>
-          <a:xfrm>
-            <a:off x="311700" y="445025"/>
-            <a:ext cx="8520600" cy="572700"/>
-          </a:xfrm>
-          <a:prstGeom prst="rect">
-            <a:avLst/>
-          </a:prstGeom>
-        </p:spPr>
-        <p:txBody>
-          <a:bodyPr spcFirstLastPara="1" wrap="square" lIns="91425" tIns="91425" rIns="91425" bIns="91425" anchor="t" anchorCtr="0">
-            <a:normAutofit fontScale="90000"/>
-          </a:bodyPr>
-          <a:lstStyle/>
-          <a:p>
-            <a:pPr marL="0" lvl="0" indent="0" algn="l" rtl="0">
-              <a:spcBef>
-                <a:spcPts val="0"/>
-              </a:spcBef>
-              <a:spcAft>
-                <a:spcPts val="0"/>
-              </a:spcAft>
-              <a:buNone/>
-            </a:pPr>
-            <a:r>
-              <a:rPr lang="en-GB" b="1"/>
-              <a:t>Propriedades</a:t>
-            </a:r>
-            <a:endParaRPr b="1"/>
-          </a:p>
-        </p:txBody>
-      </p:sp>
-      <p:sp>
-        <p:nvSpPr>
-          <p:cNvPr id="257" name="Google Shape;257;p43"/>
-          <p:cNvSpPr txBox="1"/>
-          <p:nvPr>
-            <p:ph type="body" idx="1"/>
-          </p:nvPr>
-        </p:nvSpPr>
-        <p:spPr>
-          <a:xfrm>
-            <a:off x="311700" y="1152475"/>
-            <a:ext cx="8520600" cy="3416400"/>
-          </a:xfrm>
-          <a:prstGeom prst="rect">
-            <a:avLst/>
-          </a:prstGeom>
-        </p:spPr>
-        <p:txBody>
-          <a:bodyPr spcFirstLastPara="1" wrap="square" lIns="91425" tIns="91425" rIns="91425" bIns="91425" anchor="t" anchorCtr="0">
-            <a:normAutofit/>
-          </a:bodyPr>
-          <a:lstStyle/>
-          <a:p>
-            <a:pPr marL="114300" marR="114300" lvl="0" indent="0" algn="l" rtl="0">
-              <a:spcBef>
-                <a:spcPts val="1200"/>
-              </a:spcBef>
-              <a:spcAft>
-                <a:spcPts val="0"/>
-              </a:spcAft>
-              <a:buNone/>
-            </a:pPr>
-            <a:r>
-              <a:rPr lang="en-GB" sz="1950">
-                <a:solidFill>
-                  <a:srgbClr val="008000"/>
-                </a:solidFill>
-                <a:highlight>
-                  <a:srgbClr val="FFFFFF"/>
-                </a:highlight>
-                <a:latin typeface="Courier New" panose="02070309020205020404"/>
-                <a:ea typeface="Courier New" panose="02070309020205020404"/>
-                <a:cs typeface="Courier New" panose="02070309020205020404"/>
-                <a:sym typeface="Courier New" panose="02070309020205020404"/>
-              </a:rPr>
-              <a:t>// </a:t>
-            </a:r>
-            <a:r>
-              <a:rPr lang="en-GB" sz="1950" i="1">
-                <a:solidFill>
-                  <a:srgbClr val="008000"/>
-                </a:solidFill>
-                <a:highlight>
-                  <a:srgbClr val="FFFFFF"/>
-                </a:highlight>
-                <a:latin typeface="Courier New" panose="02070309020205020404"/>
-                <a:ea typeface="Courier New" panose="02070309020205020404"/>
-                <a:cs typeface="Courier New" panose="02070309020205020404"/>
-                <a:sym typeface="Courier New" panose="02070309020205020404"/>
-              </a:rPr>
-              <a:t>objectName.property</a:t>
-            </a:r>
-            <a:endParaRPr sz="1950">
-              <a:solidFill>
-                <a:srgbClr val="0000CD"/>
-              </a:solidFill>
-              <a:highlight>
-                <a:srgbClr val="FFFFFF"/>
-              </a:highlight>
-              <a:latin typeface="Courier New" panose="02070309020205020404"/>
-              <a:ea typeface="Courier New" panose="02070309020205020404"/>
-              <a:cs typeface="Courier New" panose="02070309020205020404"/>
-              <a:sym typeface="Courier New" panose="02070309020205020404"/>
-            </a:endParaRPr>
-          </a:p>
-          <a:p>
-            <a:pPr marL="114300" marR="114300" lvl="0" indent="0" algn="l" rtl="0">
-              <a:spcBef>
-                <a:spcPts val="1200"/>
-              </a:spcBef>
-              <a:spcAft>
-                <a:spcPts val="0"/>
-              </a:spcAft>
-              <a:buNone/>
-            </a:pPr>
-            <a:r>
-              <a:rPr lang="en-GB" sz="1950">
-                <a:solidFill>
-                  <a:srgbClr val="0000CD"/>
-                </a:solidFill>
-                <a:highlight>
-                  <a:srgbClr val="FFFFFF"/>
-                </a:highlight>
-                <a:latin typeface="Courier New" panose="02070309020205020404"/>
-                <a:ea typeface="Courier New" panose="02070309020205020404"/>
-                <a:cs typeface="Courier New" panose="02070309020205020404"/>
-                <a:sym typeface="Courier New" panose="02070309020205020404"/>
-              </a:rPr>
-              <a:t>let</a:t>
-            </a:r>
-            <a:r>
-              <a:rPr lang="en-GB" sz="1950">
-                <a:solidFill>
-                  <a:schemeClr val="dk1"/>
-                </a:solidFill>
-                <a:highlight>
-                  <a:srgbClr val="FFFFFF"/>
-                </a:highlight>
-                <a:latin typeface="Courier New" panose="02070309020205020404"/>
-                <a:ea typeface="Courier New" panose="02070309020205020404"/>
-                <a:cs typeface="Courier New" panose="02070309020205020404"/>
-                <a:sym typeface="Courier New" panose="02070309020205020404"/>
-              </a:rPr>
-              <a:t> idade = pessoa.idade;</a:t>
-            </a:r>
-            <a:endParaRPr sz="1950">
-              <a:solidFill>
-                <a:schemeClr val="dk1"/>
-              </a:solidFill>
-              <a:highlight>
-                <a:srgbClr val="FFFFFF"/>
-              </a:highlight>
-              <a:latin typeface="Courier New" panose="02070309020205020404"/>
-              <a:ea typeface="Courier New" panose="02070309020205020404"/>
-              <a:cs typeface="Courier New" panose="02070309020205020404"/>
-              <a:sym typeface="Courier New" panose="02070309020205020404"/>
-            </a:endParaRPr>
-          </a:p>
-          <a:p>
-            <a:pPr marL="114300" marR="114300" lvl="0" indent="0" algn="l" rtl="0">
-              <a:spcBef>
-                <a:spcPts val="1200"/>
-              </a:spcBef>
-              <a:spcAft>
-                <a:spcPts val="0"/>
-              </a:spcAft>
-              <a:buNone/>
-            </a:pPr>
-            <a:r>
-              <a:rPr lang="en-GB" sz="1950">
-                <a:solidFill>
-                  <a:srgbClr val="008000"/>
-                </a:solidFill>
-                <a:highlight>
-                  <a:srgbClr val="FFFFFF"/>
-                </a:highlight>
-                <a:latin typeface="Courier New" panose="02070309020205020404"/>
-                <a:ea typeface="Courier New" panose="02070309020205020404"/>
-                <a:cs typeface="Courier New" panose="02070309020205020404"/>
-                <a:sym typeface="Courier New" panose="02070309020205020404"/>
-              </a:rPr>
-              <a:t>//</a:t>
-            </a:r>
-            <a:r>
-              <a:rPr lang="en-GB" sz="1950" i="1">
-                <a:solidFill>
-                  <a:srgbClr val="008000"/>
-                </a:solidFill>
-                <a:highlight>
-                  <a:srgbClr val="FFFFFF"/>
-                </a:highlight>
-                <a:latin typeface="Courier New" panose="02070309020205020404"/>
-                <a:ea typeface="Courier New" panose="02070309020205020404"/>
-                <a:cs typeface="Courier New" panose="02070309020205020404"/>
-                <a:sym typeface="Courier New" panose="02070309020205020404"/>
-              </a:rPr>
-              <a:t>objectName</a:t>
-            </a:r>
-            <a:r>
-              <a:rPr lang="en-GB" sz="1950">
-                <a:solidFill>
-                  <a:srgbClr val="008000"/>
-                </a:solidFill>
-                <a:highlight>
-                  <a:srgbClr val="FFFFFF"/>
-                </a:highlight>
-                <a:latin typeface="Courier New" panose="02070309020205020404"/>
-                <a:ea typeface="Courier New" panose="02070309020205020404"/>
-                <a:cs typeface="Courier New" panose="02070309020205020404"/>
-                <a:sym typeface="Courier New" panose="02070309020205020404"/>
-              </a:rPr>
-              <a:t>["</a:t>
-            </a:r>
-            <a:r>
-              <a:rPr lang="en-GB" sz="1950" i="1">
-                <a:solidFill>
-                  <a:srgbClr val="008000"/>
-                </a:solidFill>
-                <a:highlight>
-                  <a:srgbClr val="FFFFFF"/>
-                </a:highlight>
-                <a:latin typeface="Courier New" panose="02070309020205020404"/>
-                <a:ea typeface="Courier New" panose="02070309020205020404"/>
-                <a:cs typeface="Courier New" panose="02070309020205020404"/>
-                <a:sym typeface="Courier New" panose="02070309020205020404"/>
-              </a:rPr>
-              <a:t>property</a:t>
-            </a:r>
-            <a:r>
-              <a:rPr lang="en-GB" sz="1950">
-                <a:solidFill>
-                  <a:srgbClr val="008000"/>
-                </a:solidFill>
-                <a:highlight>
-                  <a:srgbClr val="FFFFFF"/>
-                </a:highlight>
-                <a:latin typeface="Courier New" panose="02070309020205020404"/>
-                <a:ea typeface="Courier New" panose="02070309020205020404"/>
-                <a:cs typeface="Courier New" panose="02070309020205020404"/>
-                <a:sym typeface="Courier New" panose="02070309020205020404"/>
-              </a:rPr>
-              <a:t>"]</a:t>
-            </a:r>
-            <a:endParaRPr sz="1950">
-              <a:solidFill>
-                <a:srgbClr val="008000"/>
-              </a:solidFill>
-              <a:highlight>
-                <a:srgbClr val="FFFFFF"/>
-              </a:highlight>
-              <a:latin typeface="Courier New" panose="02070309020205020404"/>
-              <a:ea typeface="Courier New" panose="02070309020205020404"/>
-              <a:cs typeface="Courier New" panose="02070309020205020404"/>
-              <a:sym typeface="Courier New" panose="02070309020205020404"/>
-            </a:endParaRPr>
-          </a:p>
-          <a:p>
-            <a:pPr marL="114300" marR="114300" lvl="0" indent="0" algn="l" rtl="0">
-              <a:spcBef>
-                <a:spcPts val="1200"/>
-              </a:spcBef>
-              <a:spcAft>
-                <a:spcPts val="0"/>
-              </a:spcAft>
-              <a:buNone/>
-            </a:pPr>
-            <a:r>
-              <a:rPr lang="en-GB" sz="1950">
-                <a:solidFill>
-                  <a:srgbClr val="0000CD"/>
-                </a:solidFill>
-                <a:highlight>
-                  <a:srgbClr val="FFFFFF"/>
-                </a:highlight>
-                <a:latin typeface="Courier New" panose="02070309020205020404"/>
-                <a:ea typeface="Courier New" panose="02070309020205020404"/>
-                <a:cs typeface="Courier New" panose="02070309020205020404"/>
-                <a:sym typeface="Courier New" panose="02070309020205020404"/>
-              </a:rPr>
-              <a:t>let</a:t>
-            </a:r>
-            <a:r>
-              <a:rPr lang="en-GB" sz="1950">
-                <a:solidFill>
-                  <a:schemeClr val="dk1"/>
-                </a:solidFill>
-                <a:highlight>
-                  <a:srgbClr val="FFFFFF"/>
-                </a:highlight>
-                <a:latin typeface="Courier New" panose="02070309020205020404"/>
-                <a:ea typeface="Courier New" panose="02070309020205020404"/>
-                <a:cs typeface="Courier New" panose="02070309020205020404"/>
-                <a:sym typeface="Courier New" panose="02070309020205020404"/>
-              </a:rPr>
-              <a:t> </a:t>
-            </a:r>
-            <a:r>
-              <a:rPr lang="en-GB" sz="1950">
-                <a:solidFill>
-                  <a:schemeClr val="dk1"/>
-                </a:solidFill>
-                <a:highlight>
-                  <a:srgbClr val="FFFFFF"/>
-                </a:highlight>
-                <a:latin typeface="Courier New" panose="02070309020205020404"/>
-                <a:ea typeface="Courier New" panose="02070309020205020404"/>
-                <a:cs typeface="Courier New" panose="02070309020205020404"/>
-                <a:sym typeface="Courier New" panose="02070309020205020404"/>
-              </a:rPr>
-              <a:t>idade </a:t>
-            </a:r>
-            <a:r>
-              <a:rPr lang="en-GB" sz="1950">
-                <a:solidFill>
-                  <a:schemeClr val="dk1"/>
-                </a:solidFill>
-                <a:highlight>
-                  <a:srgbClr val="FFFFFF"/>
-                </a:highlight>
-                <a:latin typeface="Courier New" panose="02070309020205020404"/>
-                <a:ea typeface="Courier New" panose="02070309020205020404"/>
-                <a:cs typeface="Courier New" panose="02070309020205020404"/>
-                <a:sym typeface="Courier New" panose="02070309020205020404"/>
-              </a:rPr>
-              <a:t>= </a:t>
-            </a:r>
-            <a:r>
-              <a:rPr lang="en-GB" sz="1950">
-                <a:solidFill>
-                  <a:schemeClr val="dk1"/>
-                </a:solidFill>
-                <a:highlight>
-                  <a:srgbClr val="FFFFFF"/>
-                </a:highlight>
-                <a:latin typeface="Courier New" panose="02070309020205020404"/>
-                <a:ea typeface="Courier New" panose="02070309020205020404"/>
-                <a:cs typeface="Courier New" panose="02070309020205020404"/>
-                <a:sym typeface="Courier New" panose="02070309020205020404"/>
-              </a:rPr>
-              <a:t>pessoa</a:t>
-            </a:r>
-            <a:r>
-              <a:rPr lang="en-GB" sz="1950">
-                <a:solidFill>
-                  <a:schemeClr val="dk1"/>
-                </a:solidFill>
-                <a:highlight>
-                  <a:srgbClr val="FFFFFF"/>
-                </a:highlight>
-                <a:latin typeface="Courier New" panose="02070309020205020404"/>
-                <a:ea typeface="Courier New" panose="02070309020205020404"/>
-                <a:cs typeface="Courier New" panose="02070309020205020404"/>
-                <a:sym typeface="Courier New" panose="02070309020205020404"/>
-              </a:rPr>
-              <a:t>[</a:t>
-            </a:r>
-            <a:r>
-              <a:rPr lang="en-GB" sz="1950">
-                <a:solidFill>
-                  <a:srgbClr val="A52A2A"/>
-                </a:solidFill>
-                <a:highlight>
-                  <a:srgbClr val="FFFFFF"/>
-                </a:highlight>
-                <a:latin typeface="Courier New" panose="02070309020205020404"/>
-                <a:ea typeface="Courier New" panose="02070309020205020404"/>
-                <a:cs typeface="Courier New" panose="02070309020205020404"/>
-                <a:sym typeface="Courier New" panose="02070309020205020404"/>
-              </a:rPr>
-              <a:t>"</a:t>
-            </a:r>
-            <a:r>
-              <a:rPr lang="en-GB" sz="1950">
-                <a:solidFill>
-                  <a:schemeClr val="dk1"/>
-                </a:solidFill>
-                <a:highlight>
-                  <a:srgbClr val="FFFFFF"/>
-                </a:highlight>
-                <a:latin typeface="Courier New" panose="02070309020205020404"/>
-                <a:ea typeface="Courier New" panose="02070309020205020404"/>
-                <a:cs typeface="Courier New" panose="02070309020205020404"/>
-                <a:sym typeface="Courier New" panose="02070309020205020404"/>
-              </a:rPr>
-              <a:t>idade</a:t>
-            </a:r>
-            <a:r>
-              <a:rPr lang="en-GB" sz="1950">
-                <a:solidFill>
-                  <a:srgbClr val="A52A2A"/>
-                </a:solidFill>
-                <a:highlight>
-                  <a:srgbClr val="FFFFFF"/>
-                </a:highlight>
-                <a:latin typeface="Courier New" panose="02070309020205020404"/>
-                <a:ea typeface="Courier New" panose="02070309020205020404"/>
-                <a:cs typeface="Courier New" panose="02070309020205020404"/>
-                <a:sym typeface="Courier New" panose="02070309020205020404"/>
-              </a:rPr>
-              <a:t>"</a:t>
-            </a:r>
-            <a:r>
-              <a:rPr lang="en-GB" sz="1950">
-                <a:solidFill>
-                  <a:schemeClr val="dk1"/>
-                </a:solidFill>
-                <a:highlight>
-                  <a:srgbClr val="FFFFFF"/>
-                </a:highlight>
-                <a:latin typeface="Courier New" panose="02070309020205020404"/>
-                <a:ea typeface="Courier New" panose="02070309020205020404"/>
-                <a:cs typeface="Courier New" panose="02070309020205020404"/>
-                <a:sym typeface="Courier New" panose="02070309020205020404"/>
-              </a:rPr>
-              <a:t>];</a:t>
-            </a:r>
-            <a:endParaRPr sz="1950">
-              <a:solidFill>
-                <a:schemeClr val="dk1"/>
-              </a:solidFill>
-              <a:highlight>
-                <a:srgbClr val="FFFFFF"/>
-              </a:highlight>
-              <a:latin typeface="Verdana" panose="020B0604030504040204"/>
-              <a:ea typeface="Verdana" panose="020B0604030504040204"/>
-              <a:cs typeface="Verdana" panose="020B0604030504040204"/>
-              <a:sym typeface="Verdana" panose="020B0604030504040204"/>
-            </a:endParaRPr>
-          </a:p>
-          <a:p>
-            <a:pPr marL="114300" marR="114300" lvl="0" indent="0" algn="l" rtl="0">
-              <a:spcBef>
-                <a:spcPts val="1200"/>
-              </a:spcBef>
-              <a:spcAft>
-                <a:spcPts val="0"/>
-              </a:spcAft>
-              <a:buNone/>
-            </a:pPr>
-            <a:r>
-              <a:rPr lang="en-GB" sz="1950">
-                <a:solidFill>
-                  <a:srgbClr val="008000"/>
-                </a:solidFill>
-                <a:highlight>
-                  <a:srgbClr val="FFFFFF"/>
-                </a:highlight>
-                <a:latin typeface="Courier New" panose="02070309020205020404"/>
-                <a:ea typeface="Courier New" panose="02070309020205020404"/>
-                <a:cs typeface="Courier New" panose="02070309020205020404"/>
-                <a:sym typeface="Courier New" panose="02070309020205020404"/>
-              </a:rPr>
-              <a:t>//</a:t>
-            </a:r>
-            <a:r>
-              <a:rPr lang="en-GB" sz="1950" i="1">
-                <a:solidFill>
-                  <a:srgbClr val="008000"/>
-                </a:solidFill>
-                <a:highlight>
-                  <a:srgbClr val="FFFFFF"/>
-                </a:highlight>
-                <a:latin typeface="Courier New" panose="02070309020205020404"/>
-                <a:ea typeface="Courier New" panose="02070309020205020404"/>
-                <a:cs typeface="Courier New" panose="02070309020205020404"/>
-                <a:sym typeface="Courier New" panose="02070309020205020404"/>
-              </a:rPr>
-              <a:t>objectName</a:t>
-            </a:r>
-            <a:r>
-              <a:rPr lang="en-GB" sz="1950">
-                <a:solidFill>
-                  <a:srgbClr val="008000"/>
-                </a:solidFill>
-                <a:highlight>
-                  <a:srgbClr val="FFFFFF"/>
-                </a:highlight>
-                <a:latin typeface="Courier New" panose="02070309020205020404"/>
-                <a:ea typeface="Courier New" panose="02070309020205020404"/>
-                <a:cs typeface="Courier New" panose="02070309020205020404"/>
-                <a:sym typeface="Courier New" panose="02070309020205020404"/>
-              </a:rPr>
-              <a:t>[</a:t>
-            </a:r>
-            <a:r>
-              <a:rPr lang="en-GB" sz="1950" i="1">
-                <a:solidFill>
-                  <a:srgbClr val="008000"/>
-                </a:solidFill>
-                <a:highlight>
-                  <a:srgbClr val="FFFFFF"/>
-                </a:highlight>
-                <a:latin typeface="Courier New" panose="02070309020205020404"/>
-                <a:ea typeface="Courier New" panose="02070309020205020404"/>
-                <a:cs typeface="Courier New" panose="02070309020205020404"/>
-                <a:sym typeface="Courier New" panose="02070309020205020404"/>
-              </a:rPr>
-              <a:t>expression</a:t>
-            </a:r>
-            <a:r>
-              <a:rPr lang="en-GB" sz="1950">
-                <a:solidFill>
-                  <a:srgbClr val="008000"/>
-                </a:solidFill>
-                <a:highlight>
-                  <a:srgbClr val="FFFFFF"/>
-                </a:highlight>
-                <a:latin typeface="Courier New" panose="02070309020205020404"/>
-                <a:ea typeface="Courier New" panose="02070309020205020404"/>
-                <a:cs typeface="Courier New" panose="02070309020205020404"/>
-                <a:sym typeface="Courier New" panose="02070309020205020404"/>
-              </a:rPr>
-              <a:t>]</a:t>
-            </a:r>
-            <a:endParaRPr sz="1950">
-              <a:solidFill>
-                <a:srgbClr val="008000"/>
-              </a:solidFill>
-              <a:highlight>
-                <a:srgbClr val="FFFFFF"/>
-              </a:highlight>
-              <a:latin typeface="Courier New" panose="02070309020205020404"/>
-              <a:ea typeface="Courier New" panose="02070309020205020404"/>
-              <a:cs typeface="Courier New" panose="02070309020205020404"/>
-              <a:sym typeface="Courier New" panose="02070309020205020404"/>
-            </a:endParaRPr>
-          </a:p>
-          <a:p>
-            <a:pPr marL="114300" marR="114300" lvl="0" indent="0" algn="l" rtl="0">
-              <a:spcBef>
-                <a:spcPts val="1200"/>
-              </a:spcBef>
-              <a:spcAft>
-                <a:spcPts val="1200"/>
-              </a:spcAft>
-              <a:buNone/>
-            </a:pPr>
-            <a:r>
-              <a:rPr lang="en-GB" sz="1950">
-                <a:solidFill>
-                  <a:srgbClr val="0000CD"/>
-                </a:solidFill>
-                <a:highlight>
-                  <a:srgbClr val="FFFFFF"/>
-                </a:highlight>
-                <a:latin typeface="Courier New" panose="02070309020205020404"/>
-                <a:ea typeface="Courier New" panose="02070309020205020404"/>
-                <a:cs typeface="Courier New" panose="02070309020205020404"/>
-                <a:sym typeface="Courier New" panose="02070309020205020404"/>
-              </a:rPr>
-              <a:t>let</a:t>
-            </a:r>
-            <a:r>
-              <a:rPr lang="en-GB" sz="1950">
-                <a:solidFill>
-                  <a:schemeClr val="dk1"/>
-                </a:solidFill>
-                <a:highlight>
-                  <a:srgbClr val="FFFFFF"/>
-                </a:highlight>
-                <a:latin typeface="Courier New" panose="02070309020205020404"/>
-                <a:ea typeface="Courier New" panose="02070309020205020404"/>
-                <a:cs typeface="Courier New" panose="02070309020205020404"/>
-                <a:sym typeface="Courier New" panose="02070309020205020404"/>
-              </a:rPr>
-              <a:t> </a:t>
-            </a:r>
-            <a:r>
-              <a:rPr lang="en-GB" sz="1950">
-                <a:solidFill>
-                  <a:schemeClr val="dk1"/>
-                </a:solidFill>
-                <a:highlight>
-                  <a:srgbClr val="FFFFFF"/>
-                </a:highlight>
-                <a:latin typeface="Courier New" panose="02070309020205020404"/>
-                <a:ea typeface="Courier New" panose="02070309020205020404"/>
-                <a:cs typeface="Courier New" panose="02070309020205020404"/>
-                <a:sym typeface="Courier New" panose="02070309020205020404"/>
-              </a:rPr>
-              <a:t>idade</a:t>
-            </a:r>
-            <a:r>
-              <a:rPr lang="en-GB" sz="1950">
-                <a:solidFill>
-                  <a:schemeClr val="dk1"/>
-                </a:solidFill>
-                <a:highlight>
-                  <a:srgbClr val="FFFFFF"/>
-                </a:highlight>
-                <a:latin typeface="Courier New" panose="02070309020205020404"/>
-                <a:ea typeface="Courier New" panose="02070309020205020404"/>
-                <a:cs typeface="Courier New" panose="02070309020205020404"/>
-                <a:sym typeface="Courier New" panose="02070309020205020404"/>
-              </a:rPr>
-              <a:t>= person[x];</a:t>
-            </a:r>
-            <a:endParaRPr sz="2600"/>
-          </a:p>
-        </p:txBody>
-      </p:sp>
     </p:spTree>
   </p:cSld>
   <p:clrMapOvr>
